--- a/chat GPT.pptx
+++ b/chat GPT.pptx
@@ -11,29 +11,31 @@
     <p:sldId id="258" r:id="rId5"/>
     <p:sldId id="260" r:id="rId6"/>
     <p:sldId id="261" r:id="rId7"/>
-    <p:sldId id="262" r:id="rId8"/>
-    <p:sldId id="263" r:id="rId9"/>
-    <p:sldId id="264" r:id="rId10"/>
-    <p:sldId id="265" r:id="rId11"/>
-    <p:sldId id="266" r:id="rId12"/>
-    <p:sldId id="271" r:id="rId13"/>
-    <p:sldId id="267" r:id="rId14"/>
-    <p:sldId id="268" r:id="rId15"/>
-    <p:sldId id="269" r:id="rId16"/>
-    <p:sldId id="270" r:id="rId17"/>
-    <p:sldId id="272" r:id="rId18"/>
-    <p:sldId id="279" r:id="rId19"/>
-    <p:sldId id="280" r:id="rId20"/>
-    <p:sldId id="282" r:id="rId21"/>
-    <p:sldId id="281" r:id="rId22"/>
-    <p:sldId id="273" r:id="rId23"/>
-    <p:sldId id="274" r:id="rId24"/>
-    <p:sldId id="283" r:id="rId25"/>
-    <p:sldId id="275" r:id="rId26"/>
-    <p:sldId id="276" r:id="rId27"/>
-    <p:sldId id="277" r:id="rId28"/>
-    <p:sldId id="284" r:id="rId29"/>
-    <p:sldId id="278" r:id="rId30"/>
+    <p:sldId id="286" r:id="rId8"/>
+    <p:sldId id="287" r:id="rId9"/>
+    <p:sldId id="263" r:id="rId10"/>
+    <p:sldId id="264" r:id="rId11"/>
+    <p:sldId id="265" r:id="rId12"/>
+    <p:sldId id="266" r:id="rId13"/>
+    <p:sldId id="271" r:id="rId14"/>
+    <p:sldId id="267" r:id="rId15"/>
+    <p:sldId id="270" r:id="rId16"/>
+    <p:sldId id="268" r:id="rId17"/>
+    <p:sldId id="269" r:id="rId18"/>
+    <p:sldId id="275" r:id="rId19"/>
+    <p:sldId id="272" r:id="rId20"/>
+    <p:sldId id="279" r:id="rId21"/>
+    <p:sldId id="280" r:id="rId22"/>
+    <p:sldId id="282" r:id="rId23"/>
+    <p:sldId id="281" r:id="rId24"/>
+    <p:sldId id="285" r:id="rId25"/>
+    <p:sldId id="273" r:id="rId26"/>
+    <p:sldId id="274" r:id="rId27"/>
+    <p:sldId id="283" r:id="rId28"/>
+    <p:sldId id="276" r:id="rId29"/>
+    <p:sldId id="277" r:id="rId30"/>
+    <p:sldId id="284" r:id="rId31"/>
+    <p:sldId id="278" r:id="rId32"/>
   </p:sldIdLst>
   <p:sldSz cx="12192000" cy="6858000"/>
   <p:notesSz cx="6858000" cy="9144000"/>
@@ -287,7 +289,7 @@
           <a:p>
             <a:fld id="{BB789E1C-4929-4D74-917C-88CF2680D5EC}" type="datetimeFigureOut">
               <a:rPr lang="ko-KR" altLang="en-US" smtClean="0"/>
-              <a:t>2023-06-29</a:t>
+              <a:t>2023-06-30</a:t>
             </a:fld>
             <a:endParaRPr lang="ko-KR" altLang="en-US"/>
           </a:p>
@@ -485,7 +487,7 @@
           <a:p>
             <a:fld id="{BB789E1C-4929-4D74-917C-88CF2680D5EC}" type="datetimeFigureOut">
               <a:rPr lang="ko-KR" altLang="en-US" smtClean="0"/>
-              <a:t>2023-06-29</a:t>
+              <a:t>2023-06-30</a:t>
             </a:fld>
             <a:endParaRPr lang="ko-KR" altLang="en-US"/>
           </a:p>
@@ -693,7 +695,7 @@
           <a:p>
             <a:fld id="{BB789E1C-4929-4D74-917C-88CF2680D5EC}" type="datetimeFigureOut">
               <a:rPr lang="ko-KR" altLang="en-US" smtClean="0"/>
-              <a:t>2023-06-29</a:t>
+              <a:t>2023-06-30</a:t>
             </a:fld>
             <a:endParaRPr lang="ko-KR" altLang="en-US"/>
           </a:p>
@@ -891,7 +893,7 @@
           <a:p>
             <a:fld id="{BB789E1C-4929-4D74-917C-88CF2680D5EC}" type="datetimeFigureOut">
               <a:rPr lang="ko-KR" altLang="en-US" smtClean="0"/>
-              <a:t>2023-06-29</a:t>
+              <a:t>2023-06-30</a:t>
             </a:fld>
             <a:endParaRPr lang="ko-KR" altLang="en-US"/>
           </a:p>
@@ -1166,7 +1168,7 @@
           <a:p>
             <a:fld id="{BB789E1C-4929-4D74-917C-88CF2680D5EC}" type="datetimeFigureOut">
               <a:rPr lang="ko-KR" altLang="en-US" smtClean="0"/>
-              <a:t>2023-06-29</a:t>
+              <a:t>2023-06-30</a:t>
             </a:fld>
             <a:endParaRPr lang="ko-KR" altLang="en-US"/>
           </a:p>
@@ -1431,7 +1433,7 @@
           <a:p>
             <a:fld id="{BB789E1C-4929-4D74-917C-88CF2680D5EC}" type="datetimeFigureOut">
               <a:rPr lang="ko-KR" altLang="en-US" smtClean="0"/>
-              <a:t>2023-06-29</a:t>
+              <a:t>2023-06-30</a:t>
             </a:fld>
             <a:endParaRPr lang="ko-KR" altLang="en-US"/>
           </a:p>
@@ -1843,7 +1845,7 @@
           <a:p>
             <a:fld id="{BB789E1C-4929-4D74-917C-88CF2680D5EC}" type="datetimeFigureOut">
               <a:rPr lang="ko-KR" altLang="en-US" smtClean="0"/>
-              <a:t>2023-06-29</a:t>
+              <a:t>2023-06-30</a:t>
             </a:fld>
             <a:endParaRPr lang="ko-KR" altLang="en-US"/>
           </a:p>
@@ -1984,7 +1986,7 @@
           <a:p>
             <a:fld id="{BB789E1C-4929-4D74-917C-88CF2680D5EC}" type="datetimeFigureOut">
               <a:rPr lang="ko-KR" altLang="en-US" smtClean="0"/>
-              <a:t>2023-06-29</a:t>
+              <a:t>2023-06-30</a:t>
             </a:fld>
             <a:endParaRPr lang="ko-KR" altLang="en-US"/>
           </a:p>
@@ -2097,7 +2099,7 @@
           <a:p>
             <a:fld id="{BB789E1C-4929-4D74-917C-88CF2680D5EC}" type="datetimeFigureOut">
               <a:rPr lang="ko-KR" altLang="en-US" smtClean="0"/>
-              <a:t>2023-06-29</a:t>
+              <a:t>2023-06-30</a:t>
             </a:fld>
             <a:endParaRPr lang="ko-KR" altLang="en-US"/>
           </a:p>
@@ -2408,7 +2410,7 @@
           <a:p>
             <a:fld id="{BB789E1C-4929-4D74-917C-88CF2680D5EC}" type="datetimeFigureOut">
               <a:rPr lang="ko-KR" altLang="en-US" smtClean="0"/>
-              <a:t>2023-06-29</a:t>
+              <a:t>2023-06-30</a:t>
             </a:fld>
             <a:endParaRPr lang="ko-KR" altLang="en-US"/>
           </a:p>
@@ -2696,7 +2698,7 @@
           <a:p>
             <a:fld id="{BB789E1C-4929-4D74-917C-88CF2680D5EC}" type="datetimeFigureOut">
               <a:rPr lang="ko-KR" altLang="en-US" smtClean="0"/>
-              <a:t>2023-06-29</a:t>
+              <a:t>2023-06-30</a:t>
             </a:fld>
             <a:endParaRPr lang="ko-KR" altLang="en-US"/>
           </a:p>
@@ -2937,7 +2939,7 @@
           <a:p>
             <a:fld id="{BB789E1C-4929-4D74-917C-88CF2680D5EC}" type="datetimeFigureOut">
               <a:rPr lang="ko-KR" altLang="en-US" smtClean="0"/>
-              <a:t>2023-06-29</a:t>
+              <a:t>2023-06-30</a:t>
             </a:fld>
             <a:endParaRPr lang="ko-KR" altLang="en-US"/>
           </a:p>
@@ -3413,6 +3415,724 @@
           <a:chExt cx="0" cy="0"/>
         </a:xfrm>
       </p:grpSpPr>
+      <p:sp>
+        <p:nvSpPr>
+          <p:cNvPr id="2" name="제목 1">
+            <a:extLst>
+              <a:ext uri="{FF2B5EF4-FFF2-40B4-BE49-F238E27FC236}">
+                <a16:creationId xmlns:a16="http://schemas.microsoft.com/office/drawing/2014/main" id="{5F439BC4-6279-41D0-B6FF-2AD19C052FBC}"/>
+              </a:ext>
+            </a:extLst>
+          </p:cNvPr>
+          <p:cNvSpPr>
+            <a:spLocks noGrp="1"/>
+          </p:cNvSpPr>
+          <p:nvPr>
+            <p:ph type="title"/>
+          </p:nvPr>
+        </p:nvSpPr>
+        <p:spPr/>
+        <p:txBody>
+          <a:bodyPr/>
+          <a:lstStyle/>
+          <a:p>
+            <a:r>
+              <a:rPr lang="ko-KR" altLang="ko-KR" b="1" dirty="0" err="1"/>
+              <a:t>Alan</a:t>
+            </a:r>
+            <a:r>
+              <a:rPr lang="ko-KR" altLang="ko-KR" b="1" dirty="0"/>
+              <a:t> </a:t>
+            </a:r>
+            <a:r>
+              <a:rPr lang="ko-KR" altLang="ko-KR" b="1" dirty="0" err="1"/>
+              <a:t>Turing</a:t>
+            </a:r>
+            <a:br>
+              <a:rPr lang="en-US" altLang="ko-KR" dirty="0"/>
+            </a:br>
+            <a:endParaRPr lang="ko-KR" altLang="en-US" dirty="0"/>
+          </a:p>
+        </p:txBody>
+      </p:sp>
+      <p:sp>
+        <p:nvSpPr>
+          <p:cNvPr id="3" name="내용 개체 틀 2">
+            <a:extLst>
+              <a:ext uri="{FF2B5EF4-FFF2-40B4-BE49-F238E27FC236}">
+                <a16:creationId xmlns:a16="http://schemas.microsoft.com/office/drawing/2014/main" id="{B6C4A354-A026-4F7C-B867-3100755B7A79}"/>
+              </a:ext>
+            </a:extLst>
+          </p:cNvPr>
+          <p:cNvSpPr>
+            <a:spLocks noGrp="1"/>
+          </p:cNvSpPr>
+          <p:nvPr>
+            <p:ph idx="1"/>
+          </p:nvPr>
+        </p:nvSpPr>
+        <p:spPr/>
+        <p:txBody>
+          <a:bodyPr>
+            <a:normAutofit/>
+          </a:bodyPr>
+          <a:lstStyle/>
+          <a:p>
+            <a:pPr fontAlgn="ctr"/>
+            <a:r>
+              <a:rPr lang="ko-KR" altLang="ko-KR" sz="1100" dirty="0"/>
+              <a:t>The </a:t>
+            </a:r>
+            <a:r>
+              <a:rPr lang="ko-KR" altLang="ko-KR" sz="1100" dirty="0" err="1"/>
+              <a:t>brand</a:t>
+            </a:r>
+            <a:r>
+              <a:rPr lang="ko-KR" altLang="ko-KR" sz="1100" dirty="0"/>
+              <a:t> </a:t>
+            </a:r>
+            <a:r>
+              <a:rPr lang="ko-KR" altLang="ko-KR" sz="1100" dirty="0" err="1"/>
+              <a:t>name</a:t>
+            </a:r>
+            <a:r>
+              <a:rPr lang="ko-KR" altLang="ko-KR" sz="1100" dirty="0"/>
+              <a:t> </a:t>
+            </a:r>
+            <a:r>
+              <a:rPr lang="ko-KR" altLang="ko-KR" sz="1100" dirty="0" err="1"/>
+              <a:t>was</a:t>
+            </a:r>
+            <a:r>
+              <a:rPr lang="ko-KR" altLang="ko-KR" sz="1100" dirty="0"/>
+              <a:t> </a:t>
+            </a:r>
+            <a:r>
+              <a:rPr lang="ko-KR" altLang="ko-KR" sz="1100" dirty="0" err="1"/>
+              <a:t>inspired</a:t>
+            </a:r>
+            <a:r>
+              <a:rPr lang="ko-KR" altLang="ko-KR" sz="1100" dirty="0"/>
+              <a:t> </a:t>
+            </a:r>
+            <a:r>
+              <a:rPr lang="ko-KR" altLang="ko-KR" sz="1100" dirty="0" err="1"/>
+              <a:t>by</a:t>
+            </a:r>
+            <a:r>
+              <a:rPr lang="ko-KR" altLang="ko-KR" sz="1100" dirty="0"/>
+              <a:t> </a:t>
+            </a:r>
+            <a:r>
+              <a:rPr lang="ko-KR" altLang="ko-KR" sz="1100" dirty="0" err="1"/>
+              <a:t>Eve’s</a:t>
+            </a:r>
+            <a:r>
+              <a:rPr lang="ko-KR" altLang="ko-KR" sz="1100" dirty="0"/>
+              <a:t> </a:t>
+            </a:r>
+            <a:r>
+              <a:rPr lang="ko-KR" altLang="ko-KR" sz="1100" dirty="0" err="1"/>
+              <a:t>bite</a:t>
+            </a:r>
+            <a:r>
+              <a:rPr lang="ko-KR" altLang="ko-KR" sz="1100" dirty="0"/>
+              <a:t> </a:t>
+            </a:r>
+            <a:r>
+              <a:rPr lang="ko-KR" altLang="ko-KR" sz="1100" dirty="0" err="1"/>
+              <a:t>out</a:t>
+            </a:r>
+            <a:r>
+              <a:rPr lang="ko-KR" altLang="ko-KR" sz="1100" dirty="0"/>
+              <a:t> of </a:t>
+            </a:r>
+            <a:r>
+              <a:rPr lang="ko-KR" altLang="ko-KR" sz="1100" dirty="0" err="1"/>
+              <a:t>the</a:t>
+            </a:r>
+            <a:r>
+              <a:rPr lang="ko-KR" altLang="ko-KR" sz="1100" dirty="0"/>
+              <a:t> </a:t>
+            </a:r>
+            <a:r>
+              <a:rPr lang="ko-KR" altLang="ko-KR" sz="1100" dirty="0" err="1"/>
+              <a:t>apple</a:t>
+            </a:r>
+            <a:r>
+              <a:rPr lang="ko-KR" altLang="ko-KR" sz="1100" dirty="0"/>
+              <a:t>.</a:t>
+            </a:r>
+          </a:p>
+          <a:p>
+            <a:pPr fontAlgn="ctr"/>
+            <a:r>
+              <a:rPr lang="ko-KR" altLang="ko-KR" sz="1100" dirty="0"/>
+              <a:t>The </a:t>
+            </a:r>
+            <a:r>
+              <a:rPr lang="ko-KR" altLang="ko-KR" sz="1100" dirty="0" err="1"/>
+              <a:t>story</a:t>
+            </a:r>
+            <a:r>
+              <a:rPr lang="ko-KR" altLang="ko-KR" sz="1100" dirty="0"/>
+              <a:t> of </a:t>
+            </a:r>
+            <a:r>
+              <a:rPr lang="ko-KR" altLang="ko-KR" sz="1100" dirty="0" err="1"/>
+              <a:t>Nymphus</a:t>
+            </a:r>
+            <a:r>
+              <a:rPr lang="ko-KR" altLang="ko-KR" sz="1100" dirty="0"/>
+              <a:t> </a:t>
+            </a:r>
+            <a:r>
+              <a:rPr lang="ko-KR" altLang="ko-KR" sz="1100" dirty="0" err="1"/>
+              <a:t>gaining</a:t>
+            </a:r>
+            <a:r>
+              <a:rPr lang="ko-KR" altLang="ko-KR" sz="1100" dirty="0"/>
+              <a:t> </a:t>
+            </a:r>
+            <a:r>
+              <a:rPr lang="ko-KR" altLang="ko-KR" sz="1100" dirty="0" err="1"/>
+              <a:t>immortality</a:t>
+            </a:r>
+            <a:r>
+              <a:rPr lang="ko-KR" altLang="ko-KR" sz="1100" dirty="0"/>
+              <a:t> </a:t>
+            </a:r>
+            <a:r>
+              <a:rPr lang="ko-KR" altLang="ko-KR" sz="1100" dirty="0" err="1"/>
+              <a:t>by</a:t>
+            </a:r>
+            <a:r>
+              <a:rPr lang="ko-KR" altLang="ko-KR" sz="1100" dirty="0"/>
+              <a:t> </a:t>
+            </a:r>
+            <a:r>
+              <a:rPr lang="ko-KR" altLang="ko-KR" sz="1100" dirty="0" err="1"/>
+              <a:t>eating</a:t>
+            </a:r>
+            <a:r>
+              <a:rPr lang="ko-KR" altLang="ko-KR" sz="1100" dirty="0"/>
+              <a:t> </a:t>
+            </a:r>
+            <a:r>
+              <a:rPr lang="ko-KR" altLang="ko-KR" sz="1100" dirty="0" err="1"/>
+              <a:t>a</a:t>
+            </a:r>
+            <a:r>
+              <a:rPr lang="ko-KR" altLang="ko-KR" sz="1100" dirty="0"/>
+              <a:t> </a:t>
+            </a:r>
+            <a:r>
+              <a:rPr lang="ko-KR" altLang="ko-KR" sz="1100" dirty="0" err="1"/>
+              <a:t>golden</a:t>
+            </a:r>
+            <a:r>
+              <a:rPr lang="ko-KR" altLang="ko-KR" sz="1100" dirty="0"/>
+              <a:t> </a:t>
+            </a:r>
+            <a:r>
+              <a:rPr lang="ko-KR" altLang="ko-KR" sz="1100" dirty="0" err="1"/>
+              <a:t>apple</a:t>
+            </a:r>
+            <a:r>
+              <a:rPr lang="ko-KR" altLang="ko-KR" sz="1100" dirty="0"/>
+              <a:t>.</a:t>
+            </a:r>
+          </a:p>
+          <a:p>
+            <a:pPr fontAlgn="ctr"/>
+            <a:r>
+              <a:rPr lang="ko-KR" altLang="ko-KR" b="1" dirty="0" err="1"/>
+              <a:t>Alan</a:t>
+            </a:r>
+            <a:r>
+              <a:rPr lang="ko-KR" altLang="ko-KR" b="1" dirty="0"/>
+              <a:t> </a:t>
+            </a:r>
+            <a:r>
+              <a:rPr lang="ko-KR" altLang="ko-KR" b="1" dirty="0" err="1"/>
+              <a:t>Turing</a:t>
+            </a:r>
+            <a:r>
+              <a:rPr lang="ko-KR" altLang="ko-KR" dirty="0"/>
+              <a:t>, </a:t>
+            </a:r>
+            <a:endParaRPr lang="en-US" altLang="ko-KR" dirty="0"/>
+          </a:p>
+          <a:p>
+            <a:pPr marL="0" indent="0" fontAlgn="ctr">
+              <a:buNone/>
+            </a:pPr>
+            <a:r>
+              <a:rPr lang="en-US" altLang="ko-KR" dirty="0"/>
+              <a:t>	</a:t>
+            </a:r>
+            <a:r>
+              <a:rPr lang="ko-KR" altLang="ko-KR" dirty="0" err="1"/>
+              <a:t>the</a:t>
+            </a:r>
+            <a:r>
+              <a:rPr lang="ko-KR" altLang="ko-KR" dirty="0"/>
+              <a:t> </a:t>
+            </a:r>
+            <a:r>
+              <a:rPr lang="ko-KR" altLang="ko-KR" dirty="0" err="1"/>
+              <a:t>father</a:t>
+            </a:r>
+            <a:r>
+              <a:rPr lang="ko-KR" altLang="ko-KR" dirty="0"/>
+              <a:t> of </a:t>
+            </a:r>
+            <a:r>
+              <a:rPr lang="ko-KR" altLang="ko-KR" dirty="0" err="1"/>
+              <a:t>modern</a:t>
+            </a:r>
+            <a:r>
+              <a:rPr lang="ko-KR" altLang="ko-KR" dirty="0"/>
+              <a:t> </a:t>
+            </a:r>
+            <a:r>
+              <a:rPr lang="ko-KR" altLang="ko-KR" dirty="0" err="1"/>
+              <a:t>computing</a:t>
+            </a:r>
+            <a:r>
+              <a:rPr lang="ko-KR" altLang="ko-KR" dirty="0"/>
+              <a:t>, </a:t>
+            </a:r>
+            <a:endParaRPr lang="en-US" altLang="ko-KR" dirty="0"/>
+          </a:p>
+          <a:p>
+            <a:pPr marL="0" indent="0" fontAlgn="ctr">
+              <a:buNone/>
+            </a:pPr>
+            <a:r>
+              <a:rPr lang="en-US" altLang="ko-KR" dirty="0"/>
+              <a:t>	</a:t>
+            </a:r>
+            <a:r>
+              <a:rPr lang="ko-KR" altLang="ko-KR" dirty="0" err="1"/>
+              <a:t>died</a:t>
+            </a:r>
+            <a:r>
+              <a:rPr lang="ko-KR" altLang="ko-KR" dirty="0"/>
+              <a:t> </a:t>
+            </a:r>
+            <a:r>
+              <a:rPr lang="ko-KR" altLang="ko-KR" dirty="0" err="1"/>
+              <a:t>after</a:t>
+            </a:r>
+            <a:r>
+              <a:rPr lang="ko-KR" altLang="ko-KR" dirty="0"/>
+              <a:t> </a:t>
+            </a:r>
+            <a:r>
+              <a:rPr lang="ko-KR" altLang="ko-KR" dirty="0" err="1"/>
+              <a:t>eating</a:t>
+            </a:r>
+            <a:r>
+              <a:rPr lang="ko-KR" altLang="ko-KR" dirty="0"/>
+              <a:t> </a:t>
+            </a:r>
+            <a:r>
+              <a:rPr lang="ko-KR" altLang="ko-KR" dirty="0" err="1"/>
+              <a:t>a</a:t>
+            </a:r>
+            <a:r>
+              <a:rPr lang="ko-KR" altLang="ko-KR" dirty="0"/>
+              <a:t> </a:t>
+            </a:r>
+            <a:r>
+              <a:rPr lang="ko-KR" altLang="ko-KR" dirty="0" err="1"/>
+              <a:t>poisoned</a:t>
+            </a:r>
+            <a:r>
+              <a:rPr lang="ko-KR" altLang="ko-KR" dirty="0"/>
+              <a:t> </a:t>
+            </a:r>
+            <a:r>
+              <a:rPr lang="ko-KR" altLang="ko-KR" dirty="0" err="1"/>
+              <a:t>apple</a:t>
+            </a:r>
+            <a:r>
+              <a:rPr lang="ko-KR" altLang="ko-KR" dirty="0"/>
+              <a:t>.</a:t>
+            </a:r>
+          </a:p>
+          <a:p>
+            <a:pPr fontAlgn="ctr"/>
+            <a:r>
+              <a:rPr lang="ko-KR" altLang="ko-KR" sz="1100" dirty="0" err="1"/>
+              <a:t>From</a:t>
+            </a:r>
+            <a:r>
+              <a:rPr lang="ko-KR" altLang="ko-KR" sz="1100" dirty="0"/>
+              <a:t> </a:t>
+            </a:r>
+            <a:r>
+              <a:rPr lang="ko-KR" altLang="ko-KR" sz="1100" dirty="0" err="1"/>
+              <a:t>the</a:t>
+            </a:r>
+            <a:r>
+              <a:rPr lang="ko-KR" altLang="ko-KR" sz="1100" dirty="0"/>
+              <a:t> </a:t>
+            </a:r>
+            <a:r>
+              <a:rPr lang="ko-KR" altLang="ko-KR" sz="1100" dirty="0" err="1"/>
+              <a:t>famous</a:t>
+            </a:r>
+            <a:r>
+              <a:rPr lang="ko-KR" altLang="ko-KR" sz="1100" dirty="0"/>
+              <a:t> </a:t>
+            </a:r>
+            <a:r>
+              <a:rPr lang="ko-KR" altLang="ko-KR" sz="1100" dirty="0" err="1"/>
+              <a:t>saying</a:t>
+            </a:r>
+            <a:r>
+              <a:rPr lang="ko-KR" altLang="ko-KR" sz="1100" dirty="0"/>
+              <a:t>: “</a:t>
+            </a:r>
+            <a:r>
+              <a:rPr lang="ko-KR" altLang="ko-KR" sz="1100" dirty="0" err="1"/>
+              <a:t>an</a:t>
+            </a:r>
+            <a:r>
+              <a:rPr lang="ko-KR" altLang="ko-KR" sz="1100" dirty="0"/>
+              <a:t> </a:t>
+            </a:r>
+            <a:r>
+              <a:rPr lang="ko-KR" altLang="ko-KR" sz="1100" dirty="0" err="1"/>
+              <a:t>apple</a:t>
+            </a:r>
+            <a:r>
+              <a:rPr lang="ko-KR" altLang="ko-KR" sz="1100" dirty="0"/>
+              <a:t> </a:t>
+            </a:r>
+            <a:r>
+              <a:rPr lang="ko-KR" altLang="ko-KR" sz="1100" dirty="0" err="1"/>
+              <a:t>a</a:t>
+            </a:r>
+            <a:r>
+              <a:rPr lang="ko-KR" altLang="ko-KR" sz="1100" dirty="0"/>
+              <a:t> </a:t>
+            </a:r>
+            <a:r>
+              <a:rPr lang="ko-KR" altLang="ko-KR" sz="1100" dirty="0" err="1"/>
+              <a:t>day</a:t>
+            </a:r>
+            <a:r>
+              <a:rPr lang="ko-KR" altLang="ko-KR" sz="1100" dirty="0"/>
+              <a:t> </a:t>
+            </a:r>
+            <a:r>
+              <a:rPr lang="ko-KR" altLang="ko-KR" sz="1100" dirty="0" err="1"/>
+              <a:t>keeps</a:t>
+            </a:r>
+            <a:r>
+              <a:rPr lang="ko-KR" altLang="ko-KR" sz="1100" dirty="0"/>
+              <a:t> </a:t>
+            </a:r>
+            <a:r>
+              <a:rPr lang="ko-KR" altLang="ko-KR" sz="1100" dirty="0" err="1"/>
+              <a:t>the</a:t>
+            </a:r>
+            <a:r>
+              <a:rPr lang="ko-KR" altLang="ko-KR" sz="1100" dirty="0"/>
+              <a:t> </a:t>
+            </a:r>
+            <a:r>
+              <a:rPr lang="ko-KR" altLang="ko-KR" sz="1100" dirty="0" err="1"/>
+              <a:t>doctor</a:t>
+            </a:r>
+            <a:r>
+              <a:rPr lang="ko-KR" altLang="ko-KR" sz="1100" dirty="0"/>
+              <a:t> </a:t>
+            </a:r>
+            <a:r>
+              <a:rPr lang="ko-KR" altLang="ko-KR" sz="1100" dirty="0" err="1"/>
+              <a:t>away</a:t>
+            </a:r>
+            <a:r>
+              <a:rPr lang="ko-KR" altLang="ko-KR" sz="1100" dirty="0"/>
+              <a:t>.”</a:t>
+            </a:r>
+          </a:p>
+          <a:p>
+            <a:pPr fontAlgn="ctr"/>
+            <a:r>
+              <a:rPr lang="ko-KR" altLang="ko-KR" sz="1100" dirty="0" err="1"/>
+              <a:t>Some</a:t>
+            </a:r>
+            <a:r>
+              <a:rPr lang="ko-KR" altLang="ko-KR" sz="1100" dirty="0"/>
+              <a:t> </a:t>
+            </a:r>
+            <a:r>
+              <a:rPr lang="ko-KR" altLang="ko-KR" sz="1100" dirty="0" err="1"/>
+              <a:t>claim</a:t>
+            </a:r>
+            <a:r>
+              <a:rPr lang="ko-KR" altLang="ko-KR" sz="1100" dirty="0"/>
+              <a:t> </a:t>
+            </a:r>
+            <a:r>
+              <a:rPr lang="ko-KR" altLang="ko-KR" sz="1100" dirty="0" err="1"/>
+              <a:t>that</a:t>
+            </a:r>
+            <a:r>
+              <a:rPr lang="ko-KR" altLang="ko-KR" sz="1100" dirty="0"/>
+              <a:t> </a:t>
+            </a:r>
+            <a:r>
+              <a:rPr lang="ko-KR" altLang="ko-KR" sz="1100" dirty="0" err="1"/>
+              <a:t>the</a:t>
+            </a:r>
+            <a:r>
+              <a:rPr lang="ko-KR" altLang="ko-KR" sz="1100" dirty="0"/>
+              <a:t> </a:t>
+            </a:r>
+            <a:r>
+              <a:rPr lang="ko-KR" altLang="ko-KR" sz="1100" dirty="0" err="1"/>
+              <a:t>three</a:t>
+            </a:r>
+            <a:r>
+              <a:rPr lang="ko-KR" altLang="ko-KR" sz="1100" dirty="0"/>
+              <a:t> </a:t>
+            </a:r>
+            <a:r>
+              <a:rPr lang="ko-KR" altLang="ko-KR" sz="1100" dirty="0" err="1"/>
+              <a:t>founders</a:t>
+            </a:r>
+            <a:r>
+              <a:rPr lang="ko-KR" altLang="ko-KR" sz="1100" dirty="0"/>
+              <a:t> </a:t>
+            </a:r>
+            <a:r>
+              <a:rPr lang="ko-KR" altLang="ko-KR" sz="1100" dirty="0" err="1"/>
+              <a:t>wanted</a:t>
+            </a:r>
+            <a:r>
+              <a:rPr lang="ko-KR" altLang="ko-KR" sz="1100" dirty="0"/>
+              <a:t> </a:t>
+            </a:r>
+            <a:r>
+              <a:rPr lang="ko-KR" altLang="ko-KR" sz="1100" dirty="0" err="1"/>
+              <a:t>a</a:t>
+            </a:r>
+            <a:r>
+              <a:rPr lang="ko-KR" altLang="ko-KR" sz="1100" dirty="0"/>
+              <a:t> </a:t>
+            </a:r>
+            <a:r>
+              <a:rPr lang="ko-KR" altLang="ko-KR" sz="1100" dirty="0" err="1"/>
+              <a:t>more</a:t>
+            </a:r>
+            <a:r>
+              <a:rPr lang="ko-KR" altLang="ko-KR" sz="1100" dirty="0"/>
+              <a:t> </a:t>
+            </a:r>
+            <a:r>
+              <a:rPr lang="ko-KR" altLang="ko-KR" sz="1100" dirty="0" err="1"/>
+              <a:t>casual</a:t>
+            </a:r>
+            <a:r>
+              <a:rPr lang="ko-KR" altLang="ko-KR" sz="1100" dirty="0"/>
+              <a:t> </a:t>
+            </a:r>
+            <a:r>
+              <a:rPr lang="ko-KR" altLang="ko-KR" sz="1100" dirty="0" err="1"/>
+              <a:t>name</a:t>
+            </a:r>
+            <a:r>
+              <a:rPr lang="ko-KR" altLang="ko-KR" sz="1100" dirty="0"/>
+              <a:t>.</a:t>
+            </a:r>
+          </a:p>
+          <a:p>
+            <a:pPr fontAlgn="ctr"/>
+            <a:r>
+              <a:rPr lang="ko-KR" altLang="ko-KR" sz="1100" dirty="0" err="1"/>
+              <a:t>Steve</a:t>
+            </a:r>
+            <a:r>
+              <a:rPr lang="ko-KR" altLang="ko-KR" sz="1100" dirty="0"/>
+              <a:t> </a:t>
+            </a:r>
+            <a:r>
+              <a:rPr lang="ko-KR" altLang="ko-KR" sz="1100" dirty="0" err="1"/>
+              <a:t>Jobs</a:t>
+            </a:r>
+            <a:r>
+              <a:rPr lang="ko-KR" altLang="ko-KR" sz="1100" dirty="0"/>
+              <a:t> and </a:t>
+            </a:r>
+            <a:r>
+              <a:rPr lang="ko-KR" altLang="ko-KR" sz="1100" dirty="0" err="1"/>
+              <a:t>Steve</a:t>
+            </a:r>
+            <a:r>
+              <a:rPr lang="ko-KR" altLang="ko-KR" sz="1100" dirty="0"/>
+              <a:t> </a:t>
+            </a:r>
+            <a:r>
+              <a:rPr lang="ko-KR" altLang="ko-KR" sz="1100" dirty="0" err="1"/>
+              <a:t>Wozniak</a:t>
+            </a:r>
+            <a:r>
+              <a:rPr lang="ko-KR" altLang="ko-KR" sz="1100" dirty="0"/>
+              <a:t> </a:t>
+            </a:r>
+            <a:r>
+              <a:rPr lang="ko-KR" altLang="ko-KR" sz="1100" dirty="0" err="1"/>
+              <a:t>wanted</a:t>
+            </a:r>
+            <a:r>
+              <a:rPr lang="ko-KR" altLang="ko-KR" sz="1100" dirty="0"/>
+              <a:t> </a:t>
+            </a:r>
+            <a:r>
+              <a:rPr lang="ko-KR" altLang="ko-KR" sz="1100" dirty="0" err="1"/>
+              <a:t>the</a:t>
+            </a:r>
+            <a:r>
+              <a:rPr lang="ko-KR" altLang="ko-KR" sz="1100" dirty="0"/>
+              <a:t> Apple </a:t>
+            </a:r>
+            <a:r>
+              <a:rPr lang="ko-KR" altLang="ko-KR" sz="1100" dirty="0" err="1"/>
+              <a:t>brand</a:t>
+            </a:r>
+            <a:r>
+              <a:rPr lang="ko-KR" altLang="ko-KR" sz="1100" dirty="0"/>
+              <a:t> </a:t>
+            </a:r>
+            <a:r>
+              <a:rPr lang="ko-KR" altLang="ko-KR" sz="1100" dirty="0" err="1"/>
+              <a:t>name</a:t>
+            </a:r>
+            <a:r>
+              <a:rPr lang="ko-KR" altLang="ko-KR" sz="1100" dirty="0"/>
+              <a:t> </a:t>
+            </a:r>
+            <a:r>
+              <a:rPr lang="ko-KR" altLang="ko-KR" sz="1100" dirty="0" err="1"/>
+              <a:t>to</a:t>
+            </a:r>
+            <a:r>
+              <a:rPr lang="ko-KR" altLang="ko-KR" sz="1100" dirty="0"/>
+              <a:t> </a:t>
+            </a:r>
+            <a:r>
+              <a:rPr lang="ko-KR" altLang="ko-KR" sz="1100" dirty="0" err="1"/>
+              <a:t>appear</a:t>
+            </a:r>
+            <a:r>
+              <a:rPr lang="ko-KR" altLang="ko-KR" sz="1100" dirty="0"/>
+              <a:t> </a:t>
+            </a:r>
+            <a:r>
+              <a:rPr lang="ko-KR" altLang="ko-KR" sz="1100" dirty="0" err="1"/>
+              <a:t>before</a:t>
+            </a:r>
+            <a:r>
+              <a:rPr lang="ko-KR" altLang="ko-KR" sz="1100" dirty="0"/>
+              <a:t> </a:t>
+            </a:r>
+            <a:r>
+              <a:rPr lang="ko-KR" altLang="ko-KR" sz="1100" dirty="0" err="1"/>
+              <a:t>Atari</a:t>
+            </a:r>
+            <a:r>
+              <a:rPr lang="ko-KR" altLang="ko-KR" sz="1100" dirty="0"/>
+              <a:t> </a:t>
+            </a:r>
+            <a:r>
+              <a:rPr lang="ko-KR" altLang="ko-KR" sz="1100" dirty="0" err="1"/>
+              <a:t>in</a:t>
+            </a:r>
+            <a:r>
+              <a:rPr lang="ko-KR" altLang="ko-KR" sz="1100" dirty="0"/>
+              <a:t> </a:t>
+            </a:r>
+            <a:r>
+              <a:rPr lang="ko-KR" altLang="ko-KR" sz="1100" dirty="0" err="1"/>
+              <a:t>phone</a:t>
+            </a:r>
+            <a:r>
+              <a:rPr lang="ko-KR" altLang="ko-KR" sz="1100" dirty="0"/>
+              <a:t> </a:t>
+            </a:r>
+            <a:r>
+              <a:rPr lang="ko-KR" altLang="ko-KR" sz="1100" dirty="0" err="1"/>
+              <a:t>books</a:t>
+            </a:r>
+            <a:r>
+              <a:rPr lang="ko-KR" altLang="ko-KR" sz="1100" dirty="0"/>
+              <a:t>.</a:t>
+            </a:r>
+          </a:p>
+          <a:p>
+            <a:r>
+              <a:rPr lang="en-US" altLang="ko-KR" sz="1100" dirty="0"/>
+              <a:t> </a:t>
+            </a:r>
+          </a:p>
+          <a:p>
+            <a:r>
+              <a:rPr lang="ko-KR" altLang="ko-KR" sz="1100" i="1" dirty="0"/>
+              <a:t>출처: &lt;</a:t>
+            </a:r>
+            <a:r>
+              <a:rPr lang="ko-KR" altLang="ko-KR" sz="1100" i="1" dirty="0">
+                <a:hlinkClick r:id="rId2"/>
+              </a:rPr>
+              <a:t>https://www.crowdspring.com/blog/apple-logo/</a:t>
+            </a:r>
+            <a:r>
+              <a:rPr lang="ko-KR" altLang="ko-KR" sz="1100" i="1" dirty="0"/>
+              <a:t>&gt; </a:t>
+            </a:r>
+            <a:endParaRPr lang="ko-KR" altLang="ko-KR" sz="1100" dirty="0"/>
+          </a:p>
+          <a:p>
+            <a:endParaRPr lang="ko-KR" altLang="en-US" dirty="0"/>
+          </a:p>
+        </p:txBody>
+      </p:sp>
+    </p:spTree>
+    <p:extLst>
+      <p:ext uri="{BB962C8B-B14F-4D97-AF65-F5344CB8AC3E}">
+        <p14:creationId xmlns:p14="http://schemas.microsoft.com/office/powerpoint/2010/main" val="1643972959"/>
+      </p:ext>
+    </p:extLst>
+  </p:cSld>
+  <p:clrMapOvr>
+    <a:masterClrMapping/>
+  </p:clrMapOvr>
+</p:sld>
+</file>
+
+<file path=ppt/slides/slide11.xml><?xml version="1.0" encoding="utf-8"?>
+<p:sld xmlns:a="http://schemas.openxmlformats.org/drawingml/2006/main" xmlns:r="http://schemas.openxmlformats.org/officeDocument/2006/relationships" xmlns:p="http://schemas.openxmlformats.org/presentationml/2006/main">
+  <p:cSld>
+    <p:spTree>
+      <p:nvGrpSpPr>
+        <p:cNvPr id="1" name=""/>
+        <p:cNvGrpSpPr/>
+        <p:nvPr/>
+      </p:nvGrpSpPr>
+      <p:grpSpPr>
+        <a:xfrm>
+          <a:off x="0" y="0"/>
+          <a:ext cx="0" cy="0"/>
+          <a:chOff x="0" y="0"/>
+          <a:chExt cx="0" cy="0"/>
+        </a:xfrm>
+      </p:grpSpPr>
       <p:pic>
         <p:nvPicPr>
           <p:cNvPr id="3074" name="Picture 2" descr="Apple rainbow logo in the year 1984">
@@ -3473,7 +4193,7 @@
 </p:sld>
 </file>
 
-<file path=ppt/slides/slide11.xml><?xml version="1.0" encoding="utf-8"?>
+<file path=ppt/slides/slide12.xml><?xml version="1.0" encoding="utf-8"?>
 <p:sld xmlns:a="http://schemas.openxmlformats.org/drawingml/2006/main" xmlns:r="http://schemas.openxmlformats.org/officeDocument/2006/relationships" xmlns:p="http://schemas.openxmlformats.org/presentationml/2006/main">
   <p:cSld>
     <p:spTree>
@@ -4388,7 +5108,7 @@
 </p:sld>
 </file>
 
-<file path=ppt/slides/slide12.xml><?xml version="1.0" encoding="utf-8"?>
+<file path=ppt/slides/slide13.xml><?xml version="1.0" encoding="utf-8"?>
 <p:sld xmlns:a="http://schemas.openxmlformats.org/drawingml/2006/main" xmlns:r="http://schemas.openxmlformats.org/officeDocument/2006/relationships" xmlns:p="http://schemas.openxmlformats.org/presentationml/2006/main">
   <p:cSld>
     <p:spTree>
@@ -4405,31 +5125,6 @@
           <a:chExt cx="0" cy="0"/>
         </a:xfrm>
       </p:grpSpPr>
-      <p:sp>
-        <p:nvSpPr>
-          <p:cNvPr id="2" name="제목 1">
-            <a:extLst>
-              <a:ext uri="{FF2B5EF4-FFF2-40B4-BE49-F238E27FC236}">
-                <a16:creationId xmlns:a16="http://schemas.microsoft.com/office/drawing/2014/main" id="{9CD997ED-7B7F-4BEC-A936-6059ADE2344A}"/>
-              </a:ext>
-            </a:extLst>
-          </p:cNvPr>
-          <p:cNvSpPr>
-            <a:spLocks noGrp="1"/>
-          </p:cNvSpPr>
-          <p:nvPr>
-            <p:ph type="title"/>
-          </p:nvPr>
-        </p:nvSpPr>
-        <p:spPr/>
-        <p:txBody>
-          <a:bodyPr/>
-          <a:lstStyle/>
-          <a:p>
-            <a:endParaRPr lang="ko-KR" altLang="en-US"/>
-          </a:p>
-        </p:txBody>
-      </p:sp>
       <p:pic>
         <p:nvPicPr>
           <p:cNvPr id="8194" name="Picture 2" descr="image3_11zon.webp">
@@ -4492,7 +5187,7 @@
 </p:sld>
 </file>
 
-<file path=ppt/slides/slide13.xml><?xml version="1.0" encoding="utf-8"?>
+<file path=ppt/slides/slide14.xml><?xml version="1.0" encoding="utf-8"?>
 <p:sld xmlns:a="http://schemas.openxmlformats.org/drawingml/2006/main" xmlns:r="http://schemas.openxmlformats.org/officeDocument/2006/relationships" xmlns:p="http://schemas.openxmlformats.org/presentationml/2006/main">
   <p:cSld>
     <p:spTree>
@@ -4590,39 +5285,39 @@
               <a:t>: The </a:t>
             </a:r>
             <a:r>
-              <a:rPr lang="ko-KR" altLang="ko-KR" dirty="0" err="1"/>
+              <a:rPr lang="ko-KR" altLang="ko-KR" sz="7200" dirty="0" err="1"/>
               <a:t>term</a:t>
             </a:r>
             <a:r>
-              <a:rPr lang="ko-KR" altLang="ko-KR" dirty="0"/>
+              <a:rPr lang="ko-KR" altLang="ko-KR" sz="7200" dirty="0"/>
               <a:t> "</a:t>
             </a:r>
             <a:r>
-              <a:rPr lang="ko-KR" altLang="ko-KR" dirty="0" err="1"/>
+              <a:rPr lang="ko-KR" altLang="ko-KR" sz="7200" dirty="0" err="1"/>
               <a:t>artificial</a:t>
             </a:r>
             <a:r>
-              <a:rPr lang="ko-KR" altLang="ko-KR" dirty="0"/>
-              <a:t> </a:t>
-            </a:r>
-            <a:r>
-              <a:rPr lang="ko-KR" altLang="ko-KR" dirty="0" err="1"/>
+              <a:rPr lang="ko-KR" altLang="ko-KR" sz="7200" dirty="0"/>
+              <a:t> </a:t>
+            </a:r>
+            <a:r>
+              <a:rPr lang="ko-KR" altLang="ko-KR" sz="7200" dirty="0" err="1"/>
               <a:t>intelligence</a:t>
             </a:r>
             <a:r>
-              <a:rPr lang="ko-KR" altLang="ko-KR" dirty="0"/>
+              <a:rPr lang="ko-KR" altLang="ko-KR" sz="7200" dirty="0"/>
               <a:t>" </a:t>
             </a:r>
             <a:r>
-              <a:rPr lang="ko-KR" altLang="ko-KR" dirty="0" err="1"/>
+              <a:rPr lang="ko-KR" altLang="ko-KR" sz="7200" dirty="0" err="1"/>
               <a:t>was</a:t>
             </a:r>
             <a:r>
-              <a:rPr lang="ko-KR" altLang="ko-KR" dirty="0"/>
-              <a:t> </a:t>
-            </a:r>
-            <a:r>
-              <a:rPr lang="ko-KR" altLang="ko-KR" dirty="0" err="1"/>
+              <a:rPr lang="ko-KR" altLang="ko-KR" sz="7200" dirty="0"/>
+              <a:t> </a:t>
+            </a:r>
+            <a:r>
+              <a:rPr lang="ko-KR" altLang="ko-KR" sz="7200" dirty="0" err="1"/>
               <a:t>coined</a:t>
             </a:r>
             <a:r>
@@ -6304,7 +6999,86 @@
 </p:sld>
 </file>
 
-<file path=ppt/slides/slide14.xml><?xml version="1.0" encoding="utf-8"?>
+<file path=ppt/slides/slide15.xml><?xml version="1.0" encoding="utf-8"?>
+<p:sld xmlns:a="http://schemas.openxmlformats.org/drawingml/2006/main" xmlns:r="http://schemas.openxmlformats.org/officeDocument/2006/relationships" xmlns:p="http://schemas.openxmlformats.org/presentationml/2006/main">
+  <p:cSld>
+    <p:spTree>
+      <p:nvGrpSpPr>
+        <p:cNvPr id="1" name=""/>
+        <p:cNvGrpSpPr/>
+        <p:nvPr/>
+      </p:nvGrpSpPr>
+      <p:grpSpPr>
+        <a:xfrm>
+          <a:off x="0" y="0"/>
+          <a:ext cx="0" cy="0"/>
+          <a:chOff x="0" y="0"/>
+          <a:chExt cx="0" cy="0"/>
+        </a:xfrm>
+      </p:grpSpPr>
+      <p:pic>
+        <p:nvPicPr>
+          <p:cNvPr id="7169" name="Picture 1" descr="Three Stages of AI_11zon.webp">
+            <a:extLst>
+              <a:ext uri="{FF2B5EF4-FFF2-40B4-BE49-F238E27FC236}">
+                <a16:creationId xmlns:a16="http://schemas.microsoft.com/office/drawing/2014/main" id="{E57F9CC6-5C9B-43A6-8ED1-E2146A541EE2}"/>
+              </a:ext>
+            </a:extLst>
+          </p:cNvPr>
+          <p:cNvPicPr>
+            <a:picLocks noGrp="1" noChangeAspect="1" noChangeArrowheads="1"/>
+          </p:cNvPicPr>
+          <p:nvPr>
+            <p:ph idx="1"/>
+          </p:nvPr>
+        </p:nvPicPr>
+        <p:blipFill>
+          <a:blip r:embed="rId2">
+            <a:extLst>
+              <a:ext uri="{28A0092B-C50C-407E-A947-70E740481C1C}">
+                <a14:useLocalDpi xmlns:a14="http://schemas.microsoft.com/office/drawing/2010/main" val="0"/>
+              </a:ext>
+            </a:extLst>
+          </a:blip>
+          <a:srcRect/>
+          <a:stretch>
+            <a:fillRect/>
+          </a:stretch>
+        </p:blipFill>
+        <p:spPr bwMode="auto">
+          <a:xfrm>
+            <a:off x="2108200" y="13494"/>
+            <a:ext cx="6718300" cy="6718300"/>
+          </a:xfrm>
+          <a:prstGeom prst="rect">
+            <a:avLst/>
+          </a:prstGeom>
+          <a:noFill/>
+          <a:extLst>
+            <a:ext uri="{909E8E84-426E-40DD-AFC4-6F175D3DCCD1}">
+              <a14:hiddenFill xmlns:a14="http://schemas.microsoft.com/office/drawing/2010/main">
+                <a:solidFill>
+                  <a:srgbClr val="FFFFFF"/>
+                </a:solidFill>
+              </a14:hiddenFill>
+            </a:ext>
+          </a:extLst>
+        </p:spPr>
+      </p:pic>
+    </p:spTree>
+    <p:extLst>
+      <p:ext uri="{BB962C8B-B14F-4D97-AF65-F5344CB8AC3E}">
+        <p14:creationId xmlns:p14="http://schemas.microsoft.com/office/powerpoint/2010/main" val="1933446959"/>
+      </p:ext>
+    </p:extLst>
+  </p:cSld>
+  <p:clrMapOvr>
+    <a:masterClrMapping/>
+  </p:clrMapOvr>
+</p:sld>
+</file>
+
+<file path=ppt/slides/slide16.xml><?xml version="1.0" encoding="utf-8"?>
 <p:sld xmlns:a="http://schemas.openxmlformats.org/drawingml/2006/main" xmlns:r="http://schemas.openxmlformats.org/officeDocument/2006/relationships" xmlns:p="http://schemas.openxmlformats.org/presentationml/2006/main">
   <p:cSld>
     <p:spTree>
@@ -6381,7 +7155,7 @@
 </p:sld>
 </file>
 
-<file path=ppt/slides/slide15.xml><?xml version="1.0" encoding="utf-8"?>
+<file path=ppt/slides/slide17.xml><?xml version="1.0" encoding="utf-8"?>
 <p:sld xmlns:a="http://schemas.openxmlformats.org/drawingml/2006/main" xmlns:r="http://schemas.openxmlformats.org/officeDocument/2006/relationships" xmlns:p="http://schemas.openxmlformats.org/presentationml/2006/main">
   <p:cSld>
     <p:spTree>
@@ -6460,7 +7234,7 @@
 </p:sld>
 </file>
 
-<file path=ppt/slides/slide16.xml><?xml version="1.0" encoding="utf-8"?>
+<file path=ppt/slides/slide18.xml><?xml version="1.0" encoding="utf-8"?>
 <p:sld xmlns:a="http://schemas.openxmlformats.org/drawingml/2006/main" xmlns:r="http://schemas.openxmlformats.org/officeDocument/2006/relationships" xmlns:p="http://schemas.openxmlformats.org/presentationml/2006/main">
   <p:cSld>
     <p:spTree>
@@ -6477,59 +7251,73 @@
           <a:chExt cx="0" cy="0"/>
         </a:xfrm>
       </p:grpSpPr>
-      <p:pic>
-        <p:nvPicPr>
-          <p:cNvPr id="7169" name="Picture 1" descr="Three Stages of AI_11zon.webp">
+      <p:sp>
+        <p:nvSpPr>
+          <p:cNvPr id="2" name="제목 1">
             <a:extLst>
               <a:ext uri="{FF2B5EF4-FFF2-40B4-BE49-F238E27FC236}">
-                <a16:creationId xmlns:a16="http://schemas.microsoft.com/office/drawing/2014/main" id="{E57F9CC6-5C9B-43A6-8ED1-E2146A541EE2}"/>
+                <a16:creationId xmlns:a16="http://schemas.microsoft.com/office/drawing/2014/main" id="{50875194-F17C-4A13-8809-2802C101BDCA}"/>
               </a:ext>
             </a:extLst>
           </p:cNvPr>
-          <p:cNvPicPr>
-            <a:picLocks noGrp="1" noChangeAspect="1" noChangeArrowheads="1"/>
-          </p:cNvPicPr>
+          <p:cNvSpPr>
+            <a:spLocks noGrp="1"/>
+          </p:cNvSpPr>
+          <p:nvPr>
+            <p:ph type="title"/>
+          </p:nvPr>
+        </p:nvSpPr>
+        <p:spPr/>
+        <p:txBody>
+          <a:bodyPr/>
+          <a:lstStyle/>
+          <a:p>
+            <a:r>
+              <a:rPr lang="en-US" altLang="ko-KR" dirty="0"/>
+              <a:t>Language models</a:t>
+            </a:r>
+            <a:endParaRPr lang="ko-KR" altLang="en-US" dirty="0"/>
+          </a:p>
+        </p:txBody>
+      </p:sp>
+      <p:sp>
+        <p:nvSpPr>
+          <p:cNvPr id="3" name="내용 개체 틀 2">
+            <a:extLst>
+              <a:ext uri="{FF2B5EF4-FFF2-40B4-BE49-F238E27FC236}">
+                <a16:creationId xmlns:a16="http://schemas.microsoft.com/office/drawing/2014/main" id="{09302E69-7D85-4AE5-894E-276D74C92DB8}"/>
+              </a:ext>
+            </a:extLst>
+          </p:cNvPr>
+          <p:cNvSpPr>
+            <a:spLocks noGrp="1"/>
+          </p:cNvSpPr>
           <p:nvPr>
             <p:ph idx="1"/>
           </p:nvPr>
-        </p:nvPicPr>
-        <p:blipFill>
-          <a:blip r:embed="rId2">
-            <a:extLst>
-              <a:ext uri="{28A0092B-C50C-407E-A947-70E740481C1C}">
-                <a14:useLocalDpi xmlns:a14="http://schemas.microsoft.com/office/drawing/2010/main" val="0"/>
-              </a:ext>
-            </a:extLst>
-          </a:blip>
-          <a:srcRect/>
-          <a:stretch>
-            <a:fillRect/>
-          </a:stretch>
-        </p:blipFill>
-        <p:spPr bwMode="auto">
-          <a:xfrm>
-            <a:off x="2108200" y="13494"/>
-            <a:ext cx="6718300" cy="6718300"/>
-          </a:xfrm>
-          <a:prstGeom prst="rect">
-            <a:avLst/>
-          </a:prstGeom>
-          <a:noFill/>
-          <a:extLst>
-            <a:ext uri="{909E8E84-426E-40DD-AFC4-6F175D3DCCD1}">
-              <a14:hiddenFill xmlns:a14="http://schemas.microsoft.com/office/drawing/2010/main">
-                <a:solidFill>
-                  <a:srgbClr val="FFFFFF"/>
-                </a:solidFill>
-              </a14:hiddenFill>
-            </a:ext>
-          </a:extLst>
-        </p:spPr>
-      </p:pic>
+        </p:nvSpPr>
+        <p:spPr/>
+        <p:txBody>
+          <a:bodyPr/>
+          <a:lstStyle/>
+          <a:p>
+            <a:r>
+              <a:rPr lang="en-US" altLang="ko-KR" dirty="0"/>
+              <a:t>Language models are trained using a technique called "deep learning," which involves training a large neural network on massive datasets.</a:t>
+            </a:r>
+          </a:p>
+          <a:p>
+            <a:endParaRPr lang="en-US" altLang="ko-KR" dirty="0"/>
+          </a:p>
+          <a:p>
+            <a:endParaRPr lang="en-US" altLang="ko-KR" dirty="0"/>
+          </a:p>
+        </p:txBody>
+      </p:sp>
     </p:spTree>
     <p:extLst>
       <p:ext uri="{BB962C8B-B14F-4D97-AF65-F5344CB8AC3E}">
-        <p14:creationId xmlns:p14="http://schemas.microsoft.com/office/powerpoint/2010/main" val="1933446959"/>
+        <p14:creationId xmlns:p14="http://schemas.microsoft.com/office/powerpoint/2010/main" val="1648664426"/>
       </p:ext>
     </p:extLst>
   </p:cSld>
@@ -6539,7 +7327,7 @@
 </p:sld>
 </file>
 
-<file path=ppt/slides/slide17.xml><?xml version="1.0" encoding="utf-8"?>
+<file path=ppt/slides/slide19.xml><?xml version="1.0" encoding="utf-8"?>
 <p:sld xmlns:a="http://schemas.openxmlformats.org/drawingml/2006/main" xmlns:r="http://schemas.openxmlformats.org/officeDocument/2006/relationships" xmlns:p="http://schemas.openxmlformats.org/presentationml/2006/main">
   <p:cSld>
     <p:spTree>
@@ -6609,222 +7397,6 @@
     <p:extLst>
       <p:ext uri="{BB962C8B-B14F-4D97-AF65-F5344CB8AC3E}">
         <p14:creationId xmlns:p14="http://schemas.microsoft.com/office/powerpoint/2010/main" val="4252363898"/>
-      </p:ext>
-    </p:extLst>
-  </p:cSld>
-  <p:clrMapOvr>
-    <a:masterClrMapping/>
-  </p:clrMapOvr>
-</p:sld>
-</file>
-
-<file path=ppt/slides/slide18.xml><?xml version="1.0" encoding="utf-8"?>
-<p:sld xmlns:a="http://schemas.openxmlformats.org/drawingml/2006/main" xmlns:r="http://schemas.openxmlformats.org/officeDocument/2006/relationships" xmlns:p="http://schemas.openxmlformats.org/presentationml/2006/main">
-  <p:cSld>
-    <p:spTree>
-      <p:nvGrpSpPr>
-        <p:cNvPr id="1" name=""/>
-        <p:cNvGrpSpPr/>
-        <p:nvPr/>
-      </p:nvGrpSpPr>
-      <p:grpSpPr>
-        <a:xfrm>
-          <a:off x="0" y="0"/>
-          <a:ext cx="0" cy="0"/>
-          <a:chOff x="0" y="0"/>
-          <a:chExt cx="0" cy="0"/>
-        </a:xfrm>
-      </p:grpSpPr>
-      <p:sp>
-        <p:nvSpPr>
-          <p:cNvPr id="2" name="제목 1">
-            <a:extLst>
-              <a:ext uri="{FF2B5EF4-FFF2-40B4-BE49-F238E27FC236}">
-                <a16:creationId xmlns:a16="http://schemas.microsoft.com/office/drawing/2014/main" id="{2D519A7D-D7F1-4736-B840-FEFC10711E32}"/>
-              </a:ext>
-            </a:extLst>
-          </p:cNvPr>
-          <p:cNvSpPr>
-            <a:spLocks noGrp="1"/>
-          </p:cNvSpPr>
-          <p:nvPr>
-            <p:ph type="title"/>
-          </p:nvPr>
-        </p:nvSpPr>
-        <p:spPr/>
-        <p:txBody>
-          <a:bodyPr/>
-          <a:lstStyle/>
-          <a:p>
-            <a:r>
-              <a:rPr lang="en-US" altLang="ko-KR" dirty="0"/>
-              <a:t>Function</a:t>
-            </a:r>
-            <a:endParaRPr lang="ko-KR" altLang="en-US" dirty="0"/>
-          </a:p>
-        </p:txBody>
-      </p:sp>
-      <p:pic>
-        <p:nvPicPr>
-          <p:cNvPr id="1026" name="Picture 2" descr="함수는 입력값에 따라 출력값을 만들어 내는 ‘블랙 박스’와 같다.">
-            <a:extLst>
-              <a:ext uri="{FF2B5EF4-FFF2-40B4-BE49-F238E27FC236}">
-                <a16:creationId xmlns:a16="http://schemas.microsoft.com/office/drawing/2014/main" id="{0A812A7D-1D47-4D93-AB71-151A64A9A0BE}"/>
-              </a:ext>
-            </a:extLst>
-          </p:cNvPr>
-          <p:cNvPicPr>
-            <a:picLocks noGrp="1" noChangeAspect="1" noChangeArrowheads="1"/>
-          </p:cNvPicPr>
-          <p:nvPr>
-            <p:ph idx="1"/>
-          </p:nvPr>
-        </p:nvPicPr>
-        <p:blipFill>
-          <a:blip r:embed="rId2">
-            <a:extLst>
-              <a:ext uri="{28A0092B-C50C-407E-A947-70E740481C1C}">
-                <a14:useLocalDpi xmlns:a14="http://schemas.microsoft.com/office/drawing/2010/main" val="0"/>
-              </a:ext>
-            </a:extLst>
-          </a:blip>
-          <a:srcRect/>
-          <a:stretch>
-            <a:fillRect/>
-          </a:stretch>
-        </p:blipFill>
-        <p:spPr bwMode="auto">
-          <a:xfrm>
-            <a:off x="3896960" y="1825625"/>
-            <a:ext cx="4398080" cy="4351338"/>
-          </a:xfrm>
-          <a:prstGeom prst="rect">
-            <a:avLst/>
-          </a:prstGeom>
-          <a:noFill/>
-          <a:extLst>
-            <a:ext uri="{909E8E84-426E-40DD-AFC4-6F175D3DCCD1}">
-              <a14:hiddenFill xmlns:a14="http://schemas.microsoft.com/office/drawing/2010/main">
-                <a:solidFill>
-                  <a:srgbClr val="FFFFFF"/>
-                </a:solidFill>
-              </a14:hiddenFill>
-            </a:ext>
-          </a:extLst>
-        </p:spPr>
-      </p:pic>
-    </p:spTree>
-    <p:extLst>
-      <p:ext uri="{BB962C8B-B14F-4D97-AF65-F5344CB8AC3E}">
-        <p14:creationId xmlns:p14="http://schemas.microsoft.com/office/powerpoint/2010/main" val="1105603061"/>
-      </p:ext>
-    </p:extLst>
-  </p:cSld>
-  <p:clrMapOvr>
-    <a:masterClrMapping/>
-  </p:clrMapOvr>
-</p:sld>
-</file>
-
-<file path=ppt/slides/slide19.xml><?xml version="1.0" encoding="utf-8"?>
-<p:sld xmlns:a="http://schemas.openxmlformats.org/drawingml/2006/main" xmlns:r="http://schemas.openxmlformats.org/officeDocument/2006/relationships" xmlns:p="http://schemas.openxmlformats.org/presentationml/2006/main">
-  <p:cSld>
-    <p:spTree>
-      <p:nvGrpSpPr>
-        <p:cNvPr id="1" name=""/>
-        <p:cNvGrpSpPr/>
-        <p:nvPr/>
-      </p:nvGrpSpPr>
-      <p:grpSpPr>
-        <a:xfrm>
-          <a:off x="0" y="0"/>
-          <a:ext cx="0" cy="0"/>
-          <a:chOff x="0" y="0"/>
-          <a:chExt cx="0" cy="0"/>
-        </a:xfrm>
-      </p:grpSpPr>
-      <p:sp>
-        <p:nvSpPr>
-          <p:cNvPr id="2" name="제목 1">
-            <a:extLst>
-              <a:ext uri="{FF2B5EF4-FFF2-40B4-BE49-F238E27FC236}">
-                <a16:creationId xmlns:a16="http://schemas.microsoft.com/office/drawing/2014/main" id="{16714813-7B97-4E9D-9E9D-0BB5068BA3C6}"/>
-              </a:ext>
-            </a:extLst>
-          </p:cNvPr>
-          <p:cNvSpPr>
-            <a:spLocks noGrp="1"/>
-          </p:cNvSpPr>
-          <p:nvPr>
-            <p:ph type="title"/>
-          </p:nvPr>
-        </p:nvSpPr>
-        <p:spPr/>
-        <p:txBody>
-          <a:bodyPr/>
-          <a:lstStyle/>
-          <a:p>
-            <a:r>
-              <a:rPr lang="en-US" altLang="ko-KR" dirty="0"/>
-              <a:t>function</a:t>
-            </a:r>
-            <a:endParaRPr lang="ko-KR" altLang="en-US" dirty="0"/>
-          </a:p>
-        </p:txBody>
-      </p:sp>
-      <p:pic>
-        <p:nvPicPr>
-          <p:cNvPr id="2050" name="Picture 2" descr="What is a Function 1">
-            <a:extLst>
-              <a:ext uri="{FF2B5EF4-FFF2-40B4-BE49-F238E27FC236}">
-                <a16:creationId xmlns:a16="http://schemas.microsoft.com/office/drawing/2014/main" id="{16B8EB8D-DFD4-4BC0-95A6-6597DB5AF0A9}"/>
-              </a:ext>
-            </a:extLst>
-          </p:cNvPr>
-          <p:cNvPicPr>
-            <a:picLocks noGrp="1" noChangeAspect="1" noChangeArrowheads="1"/>
-          </p:cNvPicPr>
-          <p:nvPr>
-            <p:ph idx="1"/>
-          </p:nvPr>
-        </p:nvPicPr>
-        <p:blipFill>
-          <a:blip r:embed="rId2">
-            <a:extLst>
-              <a:ext uri="{28A0092B-C50C-407E-A947-70E740481C1C}">
-                <a14:useLocalDpi xmlns:a14="http://schemas.microsoft.com/office/drawing/2010/main" val="0"/>
-              </a:ext>
-            </a:extLst>
-          </a:blip>
-          <a:srcRect/>
-          <a:stretch>
-            <a:fillRect/>
-          </a:stretch>
-        </p:blipFill>
-        <p:spPr bwMode="auto">
-          <a:xfrm>
-            <a:off x="2242547" y="1627464"/>
-            <a:ext cx="8988373" cy="4865411"/>
-          </a:xfrm>
-          <a:prstGeom prst="rect">
-            <a:avLst/>
-          </a:prstGeom>
-          <a:noFill/>
-          <a:extLst>
-            <a:ext uri="{909E8E84-426E-40DD-AFC4-6F175D3DCCD1}">
-              <a14:hiddenFill xmlns:a14="http://schemas.microsoft.com/office/drawing/2010/main">
-                <a:solidFill>
-                  <a:srgbClr val="FFFFFF"/>
-                </a:solidFill>
-              </a14:hiddenFill>
-            </a:ext>
-          </a:extLst>
-        </p:spPr>
-      </p:pic>
-    </p:spTree>
-    <p:extLst>
-      <p:ext uri="{BB962C8B-B14F-4D97-AF65-F5344CB8AC3E}">
-        <p14:creationId xmlns:p14="http://schemas.microsoft.com/office/powerpoint/2010/main" val="4036693063"/>
       </p:ext>
     </p:extLst>
   </p:cSld>
@@ -7020,7 +7592,7 @@
           <p:cNvPr id="2" name="제목 1">
             <a:extLst>
               <a:ext uri="{FF2B5EF4-FFF2-40B4-BE49-F238E27FC236}">
-                <a16:creationId xmlns:a16="http://schemas.microsoft.com/office/drawing/2014/main" id="{B3CE6899-8703-4368-8B63-F06365EB0A27}"/>
+                <a16:creationId xmlns:a16="http://schemas.microsoft.com/office/drawing/2014/main" id="{2D519A7D-D7F1-4736-B840-FEFC10711E32}"/>
               </a:ext>
             </a:extLst>
           </p:cNvPr>
@@ -7038,7 +7610,7 @@
           <a:p>
             <a:r>
               <a:rPr lang="en-US" altLang="ko-KR" dirty="0"/>
-              <a:t>Neural network</a:t>
+              <a:t>Function</a:t>
             </a:r>
             <a:endParaRPr lang="ko-KR" altLang="en-US" dirty="0"/>
           </a:p>
@@ -7046,10 +7618,10 @@
       </p:sp>
       <p:pic>
         <p:nvPicPr>
-          <p:cNvPr id="4098" name="Picture 2" descr="perception">
+          <p:cNvPr id="1026" name="Picture 2" descr="함수는 입력값에 따라 출력값을 만들어 내는 ‘블랙 박스’와 같다.">
             <a:extLst>
               <a:ext uri="{FF2B5EF4-FFF2-40B4-BE49-F238E27FC236}">
-                <a16:creationId xmlns:a16="http://schemas.microsoft.com/office/drawing/2014/main" id="{4B243009-9A27-4A47-BAD1-FEEC9E59D5E3}"/>
+                <a16:creationId xmlns:a16="http://schemas.microsoft.com/office/drawing/2014/main" id="{0A812A7D-1D47-4D93-AB71-151A64A9A0BE}"/>
               </a:ext>
             </a:extLst>
           </p:cNvPr>
@@ -7075,8 +7647,8 @@
         </p:blipFill>
         <p:spPr bwMode="auto">
           <a:xfrm>
-            <a:off x="1609231" y="1543574"/>
-            <a:ext cx="8549837" cy="4683350"/>
+            <a:off x="3896960" y="1825625"/>
+            <a:ext cx="4398080" cy="4351338"/>
           </a:xfrm>
           <a:prstGeom prst="rect">
             <a:avLst/>
@@ -7096,6 +7668,287 @@
     </p:spTree>
     <p:extLst>
       <p:ext uri="{BB962C8B-B14F-4D97-AF65-F5344CB8AC3E}">
+        <p14:creationId xmlns:p14="http://schemas.microsoft.com/office/powerpoint/2010/main" val="1105603061"/>
+      </p:ext>
+    </p:extLst>
+  </p:cSld>
+  <p:clrMapOvr>
+    <a:masterClrMapping/>
+  </p:clrMapOvr>
+</p:sld>
+</file>
+
+<file path=ppt/slides/slide21.xml><?xml version="1.0" encoding="utf-8"?>
+<p:sld xmlns:a="http://schemas.openxmlformats.org/drawingml/2006/main" xmlns:r="http://schemas.openxmlformats.org/officeDocument/2006/relationships" xmlns:p="http://schemas.openxmlformats.org/presentationml/2006/main">
+  <p:cSld>
+    <p:spTree>
+      <p:nvGrpSpPr>
+        <p:cNvPr id="1" name=""/>
+        <p:cNvGrpSpPr/>
+        <p:nvPr/>
+      </p:nvGrpSpPr>
+      <p:grpSpPr>
+        <a:xfrm>
+          <a:off x="0" y="0"/>
+          <a:ext cx="0" cy="0"/>
+          <a:chOff x="0" y="0"/>
+          <a:chExt cx="0" cy="0"/>
+        </a:xfrm>
+      </p:grpSpPr>
+      <p:sp>
+        <p:nvSpPr>
+          <p:cNvPr id="2" name="제목 1">
+            <a:extLst>
+              <a:ext uri="{FF2B5EF4-FFF2-40B4-BE49-F238E27FC236}">
+                <a16:creationId xmlns:a16="http://schemas.microsoft.com/office/drawing/2014/main" id="{16714813-7B97-4E9D-9E9D-0BB5068BA3C6}"/>
+              </a:ext>
+            </a:extLst>
+          </p:cNvPr>
+          <p:cNvSpPr>
+            <a:spLocks noGrp="1"/>
+          </p:cNvSpPr>
+          <p:nvPr>
+            <p:ph type="title"/>
+          </p:nvPr>
+        </p:nvSpPr>
+        <p:spPr/>
+        <p:txBody>
+          <a:bodyPr/>
+          <a:lstStyle/>
+          <a:p>
+            <a:r>
+              <a:rPr lang="en-US" altLang="ko-KR" dirty="0"/>
+              <a:t>function</a:t>
+            </a:r>
+            <a:endParaRPr lang="ko-KR" altLang="en-US" dirty="0"/>
+          </a:p>
+        </p:txBody>
+      </p:sp>
+      <p:pic>
+        <p:nvPicPr>
+          <p:cNvPr id="2050" name="Picture 2" descr="What is a Function 1">
+            <a:extLst>
+              <a:ext uri="{FF2B5EF4-FFF2-40B4-BE49-F238E27FC236}">
+                <a16:creationId xmlns:a16="http://schemas.microsoft.com/office/drawing/2014/main" id="{16B8EB8D-DFD4-4BC0-95A6-6597DB5AF0A9}"/>
+              </a:ext>
+            </a:extLst>
+          </p:cNvPr>
+          <p:cNvPicPr>
+            <a:picLocks noGrp="1" noChangeAspect="1" noChangeArrowheads="1"/>
+          </p:cNvPicPr>
+          <p:nvPr>
+            <p:ph idx="1"/>
+          </p:nvPr>
+        </p:nvPicPr>
+        <p:blipFill>
+          <a:blip r:embed="rId2">
+            <a:extLst>
+              <a:ext uri="{28A0092B-C50C-407E-A947-70E740481C1C}">
+                <a14:useLocalDpi xmlns:a14="http://schemas.microsoft.com/office/drawing/2010/main" val="0"/>
+              </a:ext>
+            </a:extLst>
+          </a:blip>
+          <a:srcRect/>
+          <a:stretch>
+            <a:fillRect/>
+          </a:stretch>
+        </p:blipFill>
+        <p:spPr bwMode="auto">
+          <a:xfrm>
+            <a:off x="2242547" y="1627464"/>
+            <a:ext cx="8988373" cy="4865411"/>
+          </a:xfrm>
+          <a:prstGeom prst="rect">
+            <a:avLst/>
+          </a:prstGeom>
+          <a:noFill/>
+          <a:extLst>
+            <a:ext uri="{909E8E84-426E-40DD-AFC4-6F175D3DCCD1}">
+              <a14:hiddenFill xmlns:a14="http://schemas.microsoft.com/office/drawing/2010/main">
+                <a:solidFill>
+                  <a:srgbClr val="FFFFFF"/>
+                </a:solidFill>
+              </a14:hiddenFill>
+            </a:ext>
+          </a:extLst>
+        </p:spPr>
+      </p:pic>
+    </p:spTree>
+    <p:extLst>
+      <p:ext uri="{BB962C8B-B14F-4D97-AF65-F5344CB8AC3E}">
+        <p14:creationId xmlns:p14="http://schemas.microsoft.com/office/powerpoint/2010/main" val="4036693063"/>
+      </p:ext>
+    </p:extLst>
+  </p:cSld>
+  <p:clrMapOvr>
+    <a:masterClrMapping/>
+  </p:clrMapOvr>
+</p:sld>
+</file>
+
+<file path=ppt/slides/slide22.xml><?xml version="1.0" encoding="utf-8"?>
+<p:sld xmlns:a="http://schemas.openxmlformats.org/drawingml/2006/main" xmlns:r="http://schemas.openxmlformats.org/officeDocument/2006/relationships" xmlns:p="http://schemas.openxmlformats.org/presentationml/2006/main">
+  <p:cSld>
+    <p:spTree>
+      <p:nvGrpSpPr>
+        <p:cNvPr id="1" name=""/>
+        <p:cNvGrpSpPr/>
+        <p:nvPr/>
+      </p:nvGrpSpPr>
+      <p:grpSpPr>
+        <a:xfrm>
+          <a:off x="0" y="0"/>
+          <a:ext cx="0" cy="0"/>
+          <a:chOff x="0" y="0"/>
+          <a:chExt cx="0" cy="0"/>
+        </a:xfrm>
+      </p:grpSpPr>
+      <p:sp>
+        <p:nvSpPr>
+          <p:cNvPr id="2" name="제목 1">
+            <a:extLst>
+              <a:ext uri="{FF2B5EF4-FFF2-40B4-BE49-F238E27FC236}">
+                <a16:creationId xmlns:a16="http://schemas.microsoft.com/office/drawing/2014/main" id="{B3CE6899-8703-4368-8B63-F06365EB0A27}"/>
+              </a:ext>
+            </a:extLst>
+          </p:cNvPr>
+          <p:cNvSpPr>
+            <a:spLocks noGrp="1"/>
+          </p:cNvSpPr>
+          <p:nvPr>
+            <p:ph type="title"/>
+          </p:nvPr>
+        </p:nvSpPr>
+        <p:spPr/>
+        <p:txBody>
+          <a:bodyPr/>
+          <a:lstStyle/>
+          <a:p>
+            <a:r>
+              <a:rPr lang="en-US" altLang="ko-KR" dirty="0"/>
+              <a:t>Neural network</a:t>
+            </a:r>
+            <a:endParaRPr lang="ko-KR" altLang="en-US" dirty="0"/>
+          </a:p>
+        </p:txBody>
+      </p:sp>
+      <p:pic>
+        <p:nvPicPr>
+          <p:cNvPr id="4098" name="Picture 2" descr="perception">
+            <a:extLst>
+              <a:ext uri="{FF2B5EF4-FFF2-40B4-BE49-F238E27FC236}">
+                <a16:creationId xmlns:a16="http://schemas.microsoft.com/office/drawing/2014/main" id="{4B243009-9A27-4A47-BAD1-FEEC9E59D5E3}"/>
+              </a:ext>
+            </a:extLst>
+          </p:cNvPr>
+          <p:cNvPicPr>
+            <a:picLocks noGrp="1" noChangeAspect="1" noChangeArrowheads="1"/>
+          </p:cNvPicPr>
+          <p:nvPr>
+            <p:ph idx="1"/>
+          </p:nvPr>
+        </p:nvPicPr>
+        <p:blipFill>
+          <a:blip r:embed="rId2">
+            <a:extLst>
+              <a:ext uri="{28A0092B-C50C-407E-A947-70E740481C1C}">
+                <a14:useLocalDpi xmlns:a14="http://schemas.microsoft.com/office/drawing/2010/main" val="0"/>
+              </a:ext>
+            </a:extLst>
+          </a:blip>
+          <a:srcRect/>
+          <a:stretch>
+            <a:fillRect/>
+          </a:stretch>
+        </p:blipFill>
+        <p:spPr bwMode="auto">
+          <a:xfrm>
+            <a:off x="2286000" y="1809525"/>
+            <a:ext cx="8549837" cy="4683350"/>
+          </a:xfrm>
+          <a:prstGeom prst="rect">
+            <a:avLst/>
+          </a:prstGeom>
+          <a:noFill/>
+          <a:extLst>
+            <a:ext uri="{909E8E84-426E-40DD-AFC4-6F175D3DCCD1}">
+              <a14:hiddenFill xmlns:a14="http://schemas.microsoft.com/office/drawing/2010/main">
+                <a:solidFill>
+                  <a:srgbClr val="FFFFFF"/>
+                </a:solidFill>
+              </a14:hiddenFill>
+            </a:ext>
+          </a:extLst>
+        </p:spPr>
+      </p:pic>
+      <p:sp>
+        <p:nvSpPr>
+          <p:cNvPr id="3" name="직사각형 2">
+            <a:extLst>
+              <a:ext uri="{FF2B5EF4-FFF2-40B4-BE49-F238E27FC236}">
+                <a16:creationId xmlns:a16="http://schemas.microsoft.com/office/drawing/2014/main" id="{65157697-6D67-4F00-B7B3-094F8AFF5F14}"/>
+              </a:ext>
+            </a:extLst>
+          </p:cNvPr>
+          <p:cNvSpPr/>
+          <p:nvPr/>
+        </p:nvSpPr>
+        <p:spPr>
+          <a:xfrm>
+            <a:off x="7857259" y="684474"/>
+            <a:ext cx="4031673" cy="2092881"/>
+          </a:xfrm>
+          <a:prstGeom prst="rect">
+            <a:avLst/>
+          </a:prstGeom>
+        </p:spPr>
+        <p:txBody>
+          <a:bodyPr wrap="square">
+            <a:spAutoFit/>
+          </a:bodyPr>
+          <a:lstStyle/>
+          <a:p>
+            <a:pPr>
+              <a:buFont typeface="+mj-lt"/>
+              <a:buAutoNum type="arabicPeriod"/>
+            </a:pPr>
+            <a:r>
+              <a:rPr lang="en-US" altLang="ko-KR" sz="1000" dirty="0">
+                <a:solidFill>
+                  <a:srgbClr val="D1D5DB"/>
+                </a:solidFill>
+                <a:latin typeface="Söhne"/>
+              </a:rPr>
+              <a:t>Weights: Weights are numerical values assigned to the connections between neurons in different layers of a neural network. Each connection has an associated weight that determines the strength and significance of the signal it carries. During training, these weights are updated through a process called backpropagation, which adjusts them to minimize the difference between the predicted output and the actual output. The weights essentially define the network's ability to capture and represent patterns in the data.</a:t>
+            </a:r>
+          </a:p>
+          <a:p>
+            <a:pPr>
+              <a:buFont typeface="+mj-lt"/>
+              <a:buAutoNum type="arabicPeriod"/>
+            </a:pPr>
+            <a:r>
+              <a:rPr lang="en-US" altLang="ko-KR" sz="1000" dirty="0">
+                <a:solidFill>
+                  <a:srgbClr val="D1D5DB"/>
+                </a:solidFill>
+                <a:latin typeface="Söhne"/>
+              </a:rPr>
+              <a:t>Biases: Biases are additional learnable parameters in a neural network. They act as an offset, allowing the network to adjust the output of each neuron independently. Biases help the network to model more complex relationships in the data by introducing non-linearity. Similar to weights, biases are adjusted during training to improve the network's performance.</a:t>
+            </a:r>
+            <a:endParaRPr lang="en-US" altLang="ko-KR" sz="1000" b="0" i="0" dirty="0">
+              <a:solidFill>
+                <a:srgbClr val="D1D5DB"/>
+              </a:solidFill>
+              <a:effectLst/>
+              <a:latin typeface="Söhne"/>
+            </a:endParaRPr>
+          </a:p>
+        </p:txBody>
+      </p:sp>
+    </p:spTree>
+    <p:extLst>
+      <p:ext uri="{BB962C8B-B14F-4D97-AF65-F5344CB8AC3E}">
         <p14:creationId xmlns:p14="http://schemas.microsoft.com/office/powerpoint/2010/main" val="4073588520"/>
       </p:ext>
     </p:extLst>
@@ -7106,7 +7959,7 @@
 </p:sld>
 </file>
 
-<file path=ppt/slides/slide21.xml><?xml version="1.0" encoding="utf-8"?>
+<file path=ppt/slides/slide23.xml><?xml version="1.0" encoding="utf-8"?>
 <p:sld xmlns:a="http://schemas.openxmlformats.org/drawingml/2006/main" xmlns:r="http://schemas.openxmlformats.org/officeDocument/2006/relationships" xmlns:p="http://schemas.openxmlformats.org/presentationml/2006/main">
   <p:cSld>
     <p:spTree>
@@ -7217,7 +8070,103 @@
 </p:sld>
 </file>
 
-<file path=ppt/slides/slide22.xml><?xml version="1.0" encoding="utf-8"?>
+<file path=ppt/slides/slide24.xml><?xml version="1.0" encoding="utf-8"?>
+<p:sld xmlns:a="http://schemas.openxmlformats.org/drawingml/2006/main" xmlns:r="http://schemas.openxmlformats.org/officeDocument/2006/relationships" xmlns:p="http://schemas.openxmlformats.org/presentationml/2006/main">
+  <p:cSld>
+    <p:spTree>
+      <p:nvGrpSpPr>
+        <p:cNvPr id="1" name=""/>
+        <p:cNvGrpSpPr/>
+        <p:nvPr/>
+      </p:nvGrpSpPr>
+      <p:grpSpPr>
+        <a:xfrm>
+          <a:off x="0" y="0"/>
+          <a:ext cx="0" cy="0"/>
+          <a:chOff x="0" y="0"/>
+          <a:chExt cx="0" cy="0"/>
+        </a:xfrm>
+      </p:grpSpPr>
+      <p:sp>
+        <p:nvSpPr>
+          <p:cNvPr id="2" name="제목 1">
+            <a:extLst>
+              <a:ext uri="{FF2B5EF4-FFF2-40B4-BE49-F238E27FC236}">
+                <a16:creationId xmlns:a16="http://schemas.microsoft.com/office/drawing/2014/main" id="{3557E3DB-F337-4280-BB4C-A1E1B549C69B}"/>
+              </a:ext>
+            </a:extLst>
+          </p:cNvPr>
+          <p:cNvSpPr>
+            <a:spLocks noGrp="1"/>
+          </p:cNvSpPr>
+          <p:nvPr>
+            <p:ph type="title"/>
+          </p:nvPr>
+        </p:nvSpPr>
+        <p:spPr/>
+        <p:txBody>
+          <a:bodyPr/>
+          <a:lstStyle/>
+          <a:p>
+            <a:r>
+              <a:rPr lang="en-US" altLang="ko-KR" dirty="0">
+                <a:hlinkClick r:id="rId2"/>
+              </a:rPr>
+              <a:t>Neural Network Character Recognition</a:t>
+            </a:r>
+            <a:br>
+              <a:rPr lang="en-US" altLang="ko-KR" dirty="0"/>
+            </a:br>
+            <a:endParaRPr lang="ko-KR" altLang="en-US" dirty="0"/>
+          </a:p>
+        </p:txBody>
+      </p:sp>
+      <p:pic>
+        <p:nvPicPr>
+          <p:cNvPr id="4" name="내용 개체 틀 3">
+            <a:extLst>
+              <a:ext uri="{FF2B5EF4-FFF2-40B4-BE49-F238E27FC236}">
+                <a16:creationId xmlns:a16="http://schemas.microsoft.com/office/drawing/2014/main" id="{D15F08A2-5262-4FBA-899F-6C7057B80241}"/>
+              </a:ext>
+            </a:extLst>
+          </p:cNvPr>
+          <p:cNvPicPr>
+            <a:picLocks noGrp="1" noChangeAspect="1"/>
+          </p:cNvPicPr>
+          <p:nvPr>
+            <p:ph idx="1"/>
+          </p:nvPr>
+        </p:nvPicPr>
+        <p:blipFill>
+          <a:blip r:embed="rId3"/>
+          <a:stretch>
+            <a:fillRect/>
+          </a:stretch>
+        </p:blipFill>
+        <p:spPr>
+          <a:xfrm>
+            <a:off x="2545773" y="1860767"/>
+            <a:ext cx="6791325" cy="5153891"/>
+          </a:xfrm>
+          <a:prstGeom prst="rect">
+            <a:avLst/>
+          </a:prstGeom>
+        </p:spPr>
+      </p:pic>
+    </p:spTree>
+    <p:extLst>
+      <p:ext uri="{BB962C8B-B14F-4D97-AF65-F5344CB8AC3E}">
+        <p14:creationId xmlns:p14="http://schemas.microsoft.com/office/powerpoint/2010/main" val="217207122"/>
+      </p:ext>
+    </p:extLst>
+  </p:cSld>
+  <p:clrMapOvr>
+    <a:masterClrMapping/>
+  </p:clrMapOvr>
+</p:sld>
+</file>
+
+<file path=ppt/slides/slide25.xml><?xml version="1.0" encoding="utf-8"?>
 <p:sld xmlns:a="http://schemas.openxmlformats.org/drawingml/2006/main" xmlns:r="http://schemas.openxmlformats.org/officeDocument/2006/relationships" xmlns:p="http://schemas.openxmlformats.org/presentationml/2006/main">
   <p:cSld>
     <p:spTree>
@@ -7325,7 +8274,7 @@
 </p:sld>
 </file>
 
-<file path=ppt/slides/slide23.xml><?xml version="1.0" encoding="utf-8"?>
+<file path=ppt/slides/slide26.xml><?xml version="1.0" encoding="utf-8"?>
 <p:sld xmlns:a="http://schemas.openxmlformats.org/drawingml/2006/main" xmlns:r="http://schemas.openxmlformats.org/officeDocument/2006/relationships" xmlns:p="http://schemas.openxmlformats.org/presentationml/2006/main">
   <p:cSld>
     <p:spTree>
@@ -7404,7 +8353,7 @@
 </p:sld>
 </file>
 
-<file path=ppt/slides/slide24.xml><?xml version="1.0" encoding="utf-8"?>
+<file path=ppt/slides/slide27.xml><?xml version="1.0" encoding="utf-8"?>
 <p:sld xmlns:a="http://schemas.openxmlformats.org/drawingml/2006/main" xmlns:r="http://schemas.openxmlformats.org/officeDocument/2006/relationships" xmlns:p="http://schemas.openxmlformats.org/presentationml/2006/main">
   <p:cSld>
     <p:spTree>
@@ -7641,100 +8590,7 @@
 </p:sld>
 </file>
 
-<file path=ppt/slides/slide25.xml><?xml version="1.0" encoding="utf-8"?>
-<p:sld xmlns:a="http://schemas.openxmlformats.org/drawingml/2006/main" xmlns:r="http://schemas.openxmlformats.org/officeDocument/2006/relationships" xmlns:p="http://schemas.openxmlformats.org/presentationml/2006/main">
-  <p:cSld>
-    <p:spTree>
-      <p:nvGrpSpPr>
-        <p:cNvPr id="1" name=""/>
-        <p:cNvGrpSpPr/>
-        <p:nvPr/>
-      </p:nvGrpSpPr>
-      <p:grpSpPr>
-        <a:xfrm>
-          <a:off x="0" y="0"/>
-          <a:ext cx="0" cy="0"/>
-          <a:chOff x="0" y="0"/>
-          <a:chExt cx="0" cy="0"/>
-        </a:xfrm>
-      </p:grpSpPr>
-      <p:sp>
-        <p:nvSpPr>
-          <p:cNvPr id="2" name="제목 1">
-            <a:extLst>
-              <a:ext uri="{FF2B5EF4-FFF2-40B4-BE49-F238E27FC236}">
-                <a16:creationId xmlns:a16="http://schemas.microsoft.com/office/drawing/2014/main" id="{50875194-F17C-4A13-8809-2802C101BDCA}"/>
-              </a:ext>
-            </a:extLst>
-          </p:cNvPr>
-          <p:cNvSpPr>
-            <a:spLocks noGrp="1"/>
-          </p:cNvSpPr>
-          <p:nvPr>
-            <p:ph type="title"/>
-          </p:nvPr>
-        </p:nvSpPr>
-        <p:spPr/>
-        <p:txBody>
-          <a:bodyPr/>
-          <a:lstStyle/>
-          <a:p>
-            <a:r>
-              <a:rPr lang="en-US" altLang="ko-KR" dirty="0"/>
-              <a:t>Language models</a:t>
-            </a:r>
-            <a:endParaRPr lang="ko-KR" altLang="en-US" dirty="0"/>
-          </a:p>
-        </p:txBody>
-      </p:sp>
-      <p:sp>
-        <p:nvSpPr>
-          <p:cNvPr id="3" name="내용 개체 틀 2">
-            <a:extLst>
-              <a:ext uri="{FF2B5EF4-FFF2-40B4-BE49-F238E27FC236}">
-                <a16:creationId xmlns:a16="http://schemas.microsoft.com/office/drawing/2014/main" id="{09302E69-7D85-4AE5-894E-276D74C92DB8}"/>
-              </a:ext>
-            </a:extLst>
-          </p:cNvPr>
-          <p:cNvSpPr>
-            <a:spLocks noGrp="1"/>
-          </p:cNvSpPr>
-          <p:nvPr>
-            <p:ph idx="1"/>
-          </p:nvPr>
-        </p:nvSpPr>
-        <p:spPr/>
-        <p:txBody>
-          <a:bodyPr/>
-          <a:lstStyle/>
-          <a:p>
-            <a:r>
-              <a:rPr lang="en-US" altLang="ko-KR" dirty="0"/>
-              <a:t>Language models are trained using a technique called "deep learning," which involves training a large neural network on massive datasets.</a:t>
-            </a:r>
-          </a:p>
-          <a:p>
-            <a:endParaRPr lang="en-US" altLang="ko-KR" dirty="0"/>
-          </a:p>
-          <a:p>
-            <a:endParaRPr lang="en-US" altLang="ko-KR" dirty="0"/>
-          </a:p>
-        </p:txBody>
-      </p:sp>
-    </p:spTree>
-    <p:extLst>
-      <p:ext uri="{BB962C8B-B14F-4D97-AF65-F5344CB8AC3E}">
-        <p14:creationId xmlns:p14="http://schemas.microsoft.com/office/powerpoint/2010/main" val="1648664426"/>
-      </p:ext>
-    </p:extLst>
-  </p:cSld>
-  <p:clrMapOvr>
-    <a:masterClrMapping/>
-  </p:clrMapOvr>
-</p:sld>
-</file>
-
-<file path=ppt/slides/slide26.xml><?xml version="1.0" encoding="utf-8"?>
+<file path=ppt/slides/slide28.xml><?xml version="1.0" encoding="utf-8"?>
 <p:sld xmlns:a="http://schemas.openxmlformats.org/drawingml/2006/main" xmlns:r="http://schemas.openxmlformats.org/officeDocument/2006/relationships" xmlns:p="http://schemas.openxmlformats.org/presentationml/2006/main">
   <p:cSld>
     <p:spTree>
@@ -7881,7 +8737,7 @@
 </p:sld>
 </file>
 
-<file path=ppt/slides/slide27.xml><?xml version="1.0" encoding="utf-8"?>
+<file path=ppt/slides/slide29.xml><?xml version="1.0" encoding="utf-8"?>
 <p:sld xmlns:a="http://schemas.openxmlformats.org/drawingml/2006/main" xmlns:r="http://schemas.openxmlformats.org/officeDocument/2006/relationships" xmlns:p="http://schemas.openxmlformats.org/presentationml/2006/main">
   <p:cSld>
     <p:spTree>
@@ -7958,575 +8814,6 @@
 </p:sld>
 </file>
 
-<file path=ppt/slides/slide28.xml><?xml version="1.0" encoding="utf-8"?>
-<p:sld xmlns:a="http://schemas.openxmlformats.org/drawingml/2006/main" xmlns:r="http://schemas.openxmlformats.org/officeDocument/2006/relationships" xmlns:p="http://schemas.openxmlformats.org/presentationml/2006/main">
-  <p:cSld>
-    <p:spTree>
-      <p:nvGrpSpPr>
-        <p:cNvPr id="1" name=""/>
-        <p:cNvGrpSpPr/>
-        <p:nvPr/>
-      </p:nvGrpSpPr>
-      <p:grpSpPr>
-        <a:xfrm>
-          <a:off x="0" y="0"/>
-          <a:ext cx="0" cy="0"/>
-          <a:chOff x="0" y="0"/>
-          <a:chExt cx="0" cy="0"/>
-        </a:xfrm>
-      </p:grpSpPr>
-      <p:sp>
-        <p:nvSpPr>
-          <p:cNvPr id="2" name="제목 1">
-            <a:extLst>
-              <a:ext uri="{FF2B5EF4-FFF2-40B4-BE49-F238E27FC236}">
-                <a16:creationId xmlns:a16="http://schemas.microsoft.com/office/drawing/2014/main" id="{91ED3563-2FE7-48C7-8E5D-61C998CECBF3}"/>
-              </a:ext>
-            </a:extLst>
-          </p:cNvPr>
-          <p:cNvSpPr>
-            <a:spLocks noGrp="1"/>
-          </p:cNvSpPr>
-          <p:nvPr>
-            <p:ph type="title"/>
-          </p:nvPr>
-        </p:nvSpPr>
-        <p:spPr/>
-        <p:txBody>
-          <a:bodyPr/>
-          <a:lstStyle/>
-          <a:p>
-            <a:r>
-              <a:rPr lang="en-US" altLang="ko-KR" dirty="0"/>
-              <a:t>Limitations of </a:t>
-            </a:r>
-            <a:r>
-              <a:rPr lang="en-US" altLang="ko-KR" dirty="0" err="1"/>
-              <a:t>ChatGPT</a:t>
-            </a:r>
-            <a:br>
-              <a:rPr lang="en-US" altLang="ko-KR"/>
-            </a:br>
-            <a:endParaRPr lang="ko-KR" altLang="en-US"/>
-          </a:p>
-        </p:txBody>
-      </p:sp>
-      <p:sp>
-        <p:nvSpPr>
-          <p:cNvPr id="3" name="내용 개체 틀 2">
-            <a:extLst>
-              <a:ext uri="{FF2B5EF4-FFF2-40B4-BE49-F238E27FC236}">
-                <a16:creationId xmlns:a16="http://schemas.microsoft.com/office/drawing/2014/main" id="{79371D52-116E-467B-B422-091987890594}"/>
-              </a:ext>
-            </a:extLst>
-          </p:cNvPr>
-          <p:cNvSpPr>
-            <a:spLocks noGrp="1"/>
-          </p:cNvSpPr>
-          <p:nvPr>
-            <p:ph idx="1"/>
-          </p:nvPr>
-        </p:nvSpPr>
-        <p:spPr/>
-        <p:txBody>
-          <a:bodyPr>
-            <a:normAutofit fontScale="47500" lnSpcReduction="20000"/>
-          </a:bodyPr>
-          <a:lstStyle/>
-          <a:p>
-            <a:r>
-              <a:rPr lang="en-US" altLang="ko-KR" dirty="0"/>
-              <a:t>Lack of context awareness</a:t>
-            </a:r>
-          </a:p>
-          <a:p>
-            <a:r>
-              <a:rPr lang="en-US" altLang="ko-KR" dirty="0"/>
-              <a:t>One limitation of </a:t>
-            </a:r>
-            <a:r>
-              <a:rPr lang="en-US" altLang="ko-KR" dirty="0" err="1"/>
-              <a:t>ChatGPT</a:t>
-            </a:r>
-            <a:r>
-              <a:rPr lang="en-US" altLang="ko-KR" dirty="0"/>
-              <a:t> is that it is not always able to fully understand the context of a given text.</a:t>
-            </a:r>
-          </a:p>
-          <a:p>
-            <a:r>
-              <a:rPr lang="en-US" altLang="ko-KR" dirty="0"/>
-              <a:t>This can lead to the generation of text that is not appropriate or does not make sense in the given context.</a:t>
-            </a:r>
-          </a:p>
-          <a:p>
-            <a:r>
-              <a:rPr lang="en-US" altLang="ko-KR" dirty="0"/>
-              <a:t>This is particularly a limitation when the model is used in a conversational setting, where understanding the context of a conversation is crucial.</a:t>
-            </a:r>
-          </a:p>
-          <a:p>
-            <a:r>
-              <a:rPr lang="en-US" altLang="ko-KR" dirty="0"/>
-              <a:t>Limited ability to handle tasks that require common sense knowledge</a:t>
-            </a:r>
-          </a:p>
-          <a:p>
-            <a:r>
-              <a:rPr lang="en-US" altLang="ko-KR" dirty="0" err="1"/>
-              <a:t>ChatGPT</a:t>
-            </a:r>
-            <a:r>
-              <a:rPr lang="en-US" altLang="ko-KR" dirty="0"/>
-              <a:t> has been trained on a large dataset of text data, but it does not have access to common sense knowledge that humans possess.</a:t>
-            </a:r>
-          </a:p>
-          <a:p>
-            <a:r>
-              <a:rPr lang="en-US" altLang="ko-KR" dirty="0"/>
-              <a:t>This can limit its ability to perform certain tasks that require knowledge of the world, such as understanding idioms or sarcasm.</a:t>
-            </a:r>
-          </a:p>
-          <a:p>
-            <a:r>
-              <a:rPr lang="en-US" altLang="ko-KR" dirty="0"/>
-              <a:t>This limitation can be overcome by fine-tuning the model with task-specific data, but it still may not perform as well as a human in certain tasks.</a:t>
-            </a:r>
-          </a:p>
-          <a:p>
-            <a:r>
-              <a:rPr lang="en-US" altLang="ko-KR" dirty="0"/>
-              <a:t>Potential ethical concerns surrounding the use of AI-generated text</a:t>
-            </a:r>
-          </a:p>
-          <a:p>
-            <a:r>
-              <a:rPr lang="en-US" altLang="ko-KR" dirty="0"/>
-              <a:t>The use of AI-generated text raises ethical concerns such as potential manipulation of public opinion or spreading misinformation.</a:t>
-            </a:r>
-          </a:p>
-          <a:p>
-            <a:r>
-              <a:rPr lang="en-US" altLang="ko-KR" dirty="0"/>
-              <a:t>As the generated text can be difficult to distinguish from text written by a human, it may be used for malicious purposes such as impersonation or propaganda.</a:t>
-            </a:r>
-          </a:p>
-          <a:p>
-            <a:r>
-              <a:rPr lang="en-US" altLang="ko-KR" dirty="0"/>
-              <a:t>It is important to consider these ethical concerns when developing and deploying </a:t>
-            </a:r>
-            <a:r>
-              <a:rPr lang="en-US" altLang="ko-KR" dirty="0" err="1"/>
-              <a:t>ChatGPT</a:t>
-            </a:r>
-            <a:r>
-              <a:rPr lang="en-US" altLang="ko-KR" dirty="0"/>
-              <a:t> models, and to have proper measures in place to detect and prevent any potential misuse of the technology.</a:t>
-            </a:r>
-          </a:p>
-          <a:p>
-            <a:endParaRPr lang="ko-KR" altLang="en-US" dirty="0"/>
-          </a:p>
-        </p:txBody>
-      </p:sp>
-    </p:spTree>
-    <p:extLst>
-      <p:ext uri="{BB962C8B-B14F-4D97-AF65-F5344CB8AC3E}">
-        <p14:creationId xmlns:p14="http://schemas.microsoft.com/office/powerpoint/2010/main" val="3553564487"/>
-      </p:ext>
-    </p:extLst>
-  </p:cSld>
-  <p:clrMapOvr>
-    <a:masterClrMapping/>
-  </p:clrMapOvr>
-</p:sld>
-</file>
-
-<file path=ppt/slides/slide29.xml><?xml version="1.0" encoding="utf-8"?>
-<p:sld xmlns:a="http://schemas.openxmlformats.org/drawingml/2006/main" xmlns:r="http://schemas.openxmlformats.org/officeDocument/2006/relationships" xmlns:p="http://schemas.openxmlformats.org/presentationml/2006/main">
-  <p:cSld>
-    <p:spTree>
-      <p:nvGrpSpPr>
-        <p:cNvPr id="1" name=""/>
-        <p:cNvGrpSpPr/>
-        <p:nvPr/>
-      </p:nvGrpSpPr>
-      <p:grpSpPr>
-        <a:xfrm>
-          <a:off x="0" y="0"/>
-          <a:ext cx="0" cy="0"/>
-          <a:chOff x="0" y="0"/>
-          <a:chExt cx="0" cy="0"/>
-        </a:xfrm>
-      </p:grpSpPr>
-      <p:sp>
-        <p:nvSpPr>
-          <p:cNvPr id="2" name="제목 1">
-            <a:extLst>
-              <a:ext uri="{FF2B5EF4-FFF2-40B4-BE49-F238E27FC236}">
-                <a16:creationId xmlns:a16="http://schemas.microsoft.com/office/drawing/2014/main" id="{BB4525D2-F44A-4AC0-B26F-C1CF3B774CBF}"/>
-              </a:ext>
-            </a:extLst>
-          </p:cNvPr>
-          <p:cNvSpPr>
-            <a:spLocks noGrp="1"/>
-          </p:cNvSpPr>
-          <p:nvPr>
-            <p:ph type="title"/>
-          </p:nvPr>
-        </p:nvSpPr>
-        <p:spPr/>
-        <p:txBody>
-          <a:bodyPr/>
-          <a:lstStyle/>
-          <a:p>
-            <a:r>
-              <a:rPr lang="en-US" altLang="ko-KR" dirty="0"/>
-              <a:t>chat GPT</a:t>
-            </a:r>
-            <a:endParaRPr lang="ko-KR" altLang="en-US" dirty="0"/>
-          </a:p>
-        </p:txBody>
-      </p:sp>
-      <p:sp>
-        <p:nvSpPr>
-          <p:cNvPr id="3" name="내용 개체 틀 2">
-            <a:extLst>
-              <a:ext uri="{FF2B5EF4-FFF2-40B4-BE49-F238E27FC236}">
-                <a16:creationId xmlns:a16="http://schemas.microsoft.com/office/drawing/2014/main" id="{E4BE8763-09BB-462A-8B96-E8A3DE4DF49F}"/>
-              </a:ext>
-            </a:extLst>
-          </p:cNvPr>
-          <p:cNvSpPr>
-            <a:spLocks noGrp="1"/>
-          </p:cNvSpPr>
-          <p:nvPr>
-            <p:ph idx="1"/>
-          </p:nvPr>
-        </p:nvSpPr>
-        <p:spPr/>
-        <p:txBody>
-          <a:bodyPr>
-            <a:normAutofit/>
-          </a:bodyPr>
-          <a:lstStyle/>
-          <a:p>
-            <a:r>
-              <a:rPr lang="ko-KR" altLang="ko-KR" b="1" i="1" dirty="0" err="1"/>
-              <a:t>Generative</a:t>
-            </a:r>
-            <a:r>
-              <a:rPr lang="ko-KR" altLang="ko-KR" b="1" i="1" dirty="0"/>
-              <a:t> </a:t>
-            </a:r>
-            <a:r>
-              <a:rPr lang="ko-KR" altLang="ko-KR" b="1" i="1" dirty="0" err="1"/>
-              <a:t>Pre-trained</a:t>
-            </a:r>
-            <a:r>
-              <a:rPr lang="ko-KR" altLang="ko-KR" b="1" i="1" dirty="0"/>
-              <a:t> </a:t>
-            </a:r>
-            <a:r>
-              <a:rPr lang="ko-KR" altLang="ko-KR" b="1" i="1" dirty="0" err="1"/>
-              <a:t>Transformer</a:t>
-            </a:r>
-            <a:endParaRPr lang="en-US" altLang="ko-KR" b="1" i="1" dirty="0"/>
-          </a:p>
-          <a:p>
-            <a:endParaRPr lang="en-US" altLang="ko-KR" b="1" i="1" dirty="0"/>
-          </a:p>
-          <a:p>
-            <a:r>
-              <a:rPr lang="ko-KR" altLang="ko-KR" sz="2400" dirty="0" err="1"/>
-              <a:t>In</a:t>
-            </a:r>
-            <a:r>
-              <a:rPr lang="ko-KR" altLang="ko-KR" sz="2400" dirty="0"/>
-              <a:t> </a:t>
-            </a:r>
-            <a:r>
-              <a:rPr lang="ko-KR" altLang="ko-KR" sz="2400" dirty="0" err="1"/>
-              <a:t>a</a:t>
-            </a:r>
-            <a:r>
-              <a:rPr lang="ko-KR" altLang="ko-KR" sz="2400" dirty="0"/>
-              <a:t> </a:t>
-            </a:r>
-            <a:r>
-              <a:rPr lang="ko-KR" altLang="ko-KR" sz="2400" dirty="0" err="1"/>
-              <a:t>nutshell</a:t>
-            </a:r>
-            <a:r>
-              <a:rPr lang="ko-KR" altLang="ko-KR" sz="2400" dirty="0"/>
-              <a:t>, </a:t>
-            </a:r>
-            <a:r>
-              <a:rPr lang="ko-KR" altLang="ko-KR" sz="2400" dirty="0" err="1"/>
-              <a:t>Chat</a:t>
-            </a:r>
-            <a:r>
-              <a:rPr lang="ko-KR" altLang="ko-KR" sz="2400" dirty="0"/>
-              <a:t> GPT </a:t>
-            </a:r>
-            <a:r>
-              <a:rPr lang="ko-KR" altLang="ko-KR" sz="2400" dirty="0" err="1"/>
-              <a:t>is</a:t>
-            </a:r>
-            <a:r>
-              <a:rPr lang="ko-KR" altLang="ko-KR" sz="2400" dirty="0"/>
-              <a:t> </a:t>
-            </a:r>
-            <a:r>
-              <a:rPr lang="ko-KR" altLang="ko-KR" sz="2400" dirty="0" err="1"/>
-              <a:t>an</a:t>
-            </a:r>
-            <a:r>
-              <a:rPr lang="ko-KR" altLang="ko-KR" sz="2400" dirty="0"/>
-              <a:t> </a:t>
-            </a:r>
-            <a:endParaRPr lang="en-US" altLang="ko-KR" sz="2400" dirty="0"/>
-          </a:p>
-          <a:p>
-            <a:endParaRPr lang="ko-KR" altLang="ko-KR" sz="2400" dirty="0"/>
-          </a:p>
-          <a:p>
-            <a:pPr marL="457200" lvl="1" indent="0">
-              <a:buNone/>
-            </a:pPr>
-            <a:r>
-              <a:rPr lang="ko-KR" altLang="ko-KR" dirty="0" err="1"/>
-              <a:t>artificial</a:t>
-            </a:r>
-            <a:r>
-              <a:rPr lang="ko-KR" altLang="ko-KR" dirty="0"/>
-              <a:t> </a:t>
-            </a:r>
-            <a:r>
-              <a:rPr lang="ko-KR" altLang="ko-KR" dirty="0" err="1"/>
-              <a:t>intelligence</a:t>
-            </a:r>
-            <a:r>
-              <a:rPr lang="ko-KR" altLang="ko-KR" dirty="0"/>
-              <a:t> (AI) </a:t>
-            </a:r>
-            <a:r>
-              <a:rPr lang="ko-KR" altLang="ko-KR" dirty="0" err="1"/>
-              <a:t>content</a:t>
-            </a:r>
-            <a:r>
-              <a:rPr lang="ko-KR" altLang="ko-KR" dirty="0"/>
-              <a:t> </a:t>
-            </a:r>
-            <a:r>
-              <a:rPr lang="ko-KR" altLang="ko-KR" dirty="0" err="1"/>
-              <a:t>generator</a:t>
-            </a:r>
-            <a:r>
-              <a:rPr lang="ko-KR" altLang="ko-KR" dirty="0"/>
-              <a:t> </a:t>
-            </a:r>
-            <a:endParaRPr lang="en-US" altLang="ko-KR" dirty="0"/>
-          </a:p>
-          <a:p>
-            <a:pPr marL="457200" lvl="1" indent="0">
-              <a:buNone/>
-            </a:pPr>
-            <a:endParaRPr lang="ko-KR" altLang="ko-KR" dirty="0"/>
-          </a:p>
-          <a:p>
-            <a:pPr marL="457200" lvl="1" indent="0">
-              <a:buNone/>
-            </a:pPr>
-            <a:r>
-              <a:rPr lang="ko-KR" altLang="ko-KR" dirty="0" err="1"/>
-              <a:t>that</a:t>
-            </a:r>
-            <a:r>
-              <a:rPr lang="ko-KR" altLang="ko-KR" dirty="0"/>
-              <a:t> </a:t>
-            </a:r>
-            <a:r>
-              <a:rPr lang="ko-KR" altLang="ko-KR" dirty="0" err="1"/>
-              <a:t>semi-autonomously</a:t>
-            </a:r>
-            <a:r>
-              <a:rPr lang="ko-KR" altLang="ko-KR" dirty="0"/>
-              <a:t> </a:t>
-            </a:r>
-            <a:r>
-              <a:rPr lang="ko-KR" altLang="ko-KR" dirty="0" err="1"/>
-              <a:t>creates</a:t>
-            </a:r>
-            <a:r>
-              <a:rPr lang="ko-KR" altLang="ko-KR" dirty="0"/>
-              <a:t> </a:t>
-            </a:r>
-            <a:r>
-              <a:rPr lang="ko-KR" altLang="ko-KR" dirty="0" err="1"/>
-              <a:t>phrases</a:t>
-            </a:r>
-            <a:r>
-              <a:rPr lang="ko-KR" altLang="ko-KR" dirty="0"/>
-              <a:t> and </a:t>
-            </a:r>
-            <a:r>
-              <a:rPr lang="ko-KR" altLang="ko-KR" dirty="0" err="1"/>
-              <a:t>articles</a:t>
-            </a:r>
-            <a:r>
-              <a:rPr lang="ko-KR" altLang="ko-KR" dirty="0"/>
-              <a:t> </a:t>
-            </a:r>
-            <a:endParaRPr lang="en-US" altLang="ko-KR" dirty="0"/>
-          </a:p>
-          <a:p>
-            <a:pPr marL="457200" lvl="1" indent="0">
-              <a:buNone/>
-            </a:pPr>
-            <a:endParaRPr lang="en-US" altLang="ko-KR" dirty="0"/>
-          </a:p>
-          <a:p>
-            <a:pPr marL="457200" lvl="1" indent="0">
-              <a:buNone/>
-            </a:pPr>
-            <a:r>
-              <a:rPr lang="ko-KR" altLang="ko-KR" sz="3600" dirty="0" err="1">
-                <a:solidFill>
-                  <a:schemeClr val="accent5">
-                    <a:lumMod val="75000"/>
-                  </a:schemeClr>
-                </a:solidFill>
-                <a:highlight>
-                  <a:srgbClr val="C0C0C0"/>
-                </a:highlight>
-              </a:rPr>
-              <a:t>based</a:t>
-            </a:r>
-            <a:r>
-              <a:rPr lang="ko-KR" altLang="ko-KR" sz="3600" dirty="0">
-                <a:solidFill>
-                  <a:schemeClr val="accent5">
-                    <a:lumMod val="75000"/>
-                  </a:schemeClr>
-                </a:solidFill>
-                <a:highlight>
-                  <a:srgbClr val="C0C0C0"/>
-                </a:highlight>
-              </a:rPr>
-              <a:t> </a:t>
-            </a:r>
-            <a:r>
-              <a:rPr lang="ko-KR" altLang="ko-KR" sz="3600" dirty="0" err="1">
-                <a:solidFill>
-                  <a:schemeClr val="accent5">
-                    <a:lumMod val="75000"/>
-                  </a:schemeClr>
-                </a:solidFill>
-                <a:highlight>
-                  <a:srgbClr val="C0C0C0"/>
-                </a:highlight>
-              </a:rPr>
-              <a:t>on</a:t>
-            </a:r>
-            <a:r>
-              <a:rPr lang="ko-KR" altLang="ko-KR" sz="3600" dirty="0">
-                <a:solidFill>
-                  <a:schemeClr val="accent5">
-                    <a:lumMod val="75000"/>
-                  </a:schemeClr>
-                </a:solidFill>
-                <a:highlight>
-                  <a:srgbClr val="C0C0C0"/>
-                </a:highlight>
-              </a:rPr>
-              <a:t> </a:t>
-            </a:r>
-            <a:r>
-              <a:rPr lang="ko-KR" altLang="ko-KR" sz="3600" dirty="0" err="1">
-                <a:solidFill>
-                  <a:schemeClr val="accent5">
-                    <a:lumMod val="75000"/>
-                  </a:schemeClr>
-                </a:solidFill>
-                <a:highlight>
-                  <a:srgbClr val="C0C0C0"/>
-                </a:highlight>
-              </a:rPr>
-              <a:t>user</a:t>
-            </a:r>
-            <a:r>
-              <a:rPr lang="ko-KR" altLang="ko-KR" sz="3600" dirty="0">
-                <a:solidFill>
-                  <a:schemeClr val="accent5">
-                    <a:lumMod val="75000"/>
-                  </a:schemeClr>
-                </a:solidFill>
-                <a:highlight>
-                  <a:srgbClr val="C0C0C0"/>
-                </a:highlight>
-              </a:rPr>
-              <a:t> </a:t>
-            </a:r>
-            <a:r>
-              <a:rPr lang="ko-KR" altLang="ko-KR" sz="3600" dirty="0" err="1">
-                <a:solidFill>
-                  <a:schemeClr val="accent5">
-                    <a:lumMod val="75000"/>
-                  </a:schemeClr>
-                </a:solidFill>
-                <a:highlight>
-                  <a:srgbClr val="C0C0C0"/>
-                </a:highlight>
-              </a:rPr>
-              <a:t>input</a:t>
-            </a:r>
-            <a:r>
-              <a:rPr lang="ko-KR" altLang="ko-KR" sz="3600" dirty="0">
-                <a:solidFill>
-                  <a:schemeClr val="accent5">
-                    <a:lumMod val="75000"/>
-                  </a:schemeClr>
-                </a:solidFill>
-                <a:highlight>
-                  <a:srgbClr val="C0C0C0"/>
-                </a:highlight>
-              </a:rPr>
-              <a:t>.</a:t>
-            </a:r>
-            <a:r>
-              <a:rPr lang="en-US" altLang="ko-KR" sz="3600" dirty="0">
-                <a:solidFill>
-                  <a:schemeClr val="accent5">
-                    <a:lumMod val="75000"/>
-                  </a:schemeClr>
-                </a:solidFill>
-                <a:highlight>
-                  <a:srgbClr val="C0C0C0"/>
-                </a:highlight>
-              </a:rPr>
-              <a:t> </a:t>
-            </a:r>
-          </a:p>
-          <a:p>
-            <a:endParaRPr lang="ko-KR" altLang="en-US" dirty="0"/>
-          </a:p>
-        </p:txBody>
-      </p:sp>
-    </p:spTree>
-    <p:extLst>
-      <p:ext uri="{BB962C8B-B14F-4D97-AF65-F5344CB8AC3E}">
-        <p14:creationId xmlns:p14="http://schemas.microsoft.com/office/powerpoint/2010/main" val="1556132469"/>
-      </p:ext>
-    </p:extLst>
-  </p:cSld>
-  <p:clrMapOvr>
-    <a:masterClrMapping/>
-  </p:clrMapOvr>
-</p:sld>
-</file>
-
 <file path=ppt/slides/slide3.xml><?xml version="1.0" encoding="utf-8"?>
 <p:sld xmlns:a="http://schemas.openxmlformats.org/drawingml/2006/main" xmlns:r="http://schemas.openxmlformats.org/officeDocument/2006/relationships" xmlns:p="http://schemas.openxmlformats.org/presentationml/2006/main">
   <p:cSld>
@@ -8824,39 +9111,75 @@
               <a:buNone/>
             </a:pPr>
             <a:r>
-              <a:rPr lang="ko-KR" altLang="ko-KR" dirty="0" err="1"/>
+              <a:rPr lang="ko-KR" altLang="ko-KR" sz="2800" dirty="0" err="1">
+                <a:highlight>
+                  <a:srgbClr val="C0C0C0"/>
+                </a:highlight>
+              </a:rPr>
               <a:t>based</a:t>
             </a:r>
             <a:r>
-              <a:rPr lang="ko-KR" altLang="ko-KR" dirty="0"/>
-              <a:t> </a:t>
-            </a:r>
-            <a:r>
-              <a:rPr lang="ko-KR" altLang="ko-KR" dirty="0" err="1"/>
+              <a:rPr lang="ko-KR" altLang="ko-KR" sz="2800" dirty="0">
+                <a:highlight>
+                  <a:srgbClr val="C0C0C0"/>
+                </a:highlight>
+              </a:rPr>
+              <a:t> </a:t>
+            </a:r>
+            <a:r>
+              <a:rPr lang="ko-KR" altLang="ko-KR" sz="2800" dirty="0" err="1">
+                <a:highlight>
+                  <a:srgbClr val="C0C0C0"/>
+                </a:highlight>
+              </a:rPr>
               <a:t>on</a:t>
             </a:r>
             <a:r>
-              <a:rPr lang="ko-KR" altLang="ko-KR" dirty="0"/>
-              <a:t> </a:t>
-            </a:r>
-            <a:r>
-              <a:rPr lang="ko-KR" altLang="ko-KR" dirty="0" err="1"/>
+              <a:rPr lang="ko-KR" altLang="ko-KR" sz="2800" dirty="0">
+                <a:highlight>
+                  <a:srgbClr val="C0C0C0"/>
+                </a:highlight>
+              </a:rPr>
+              <a:t> </a:t>
+            </a:r>
+            <a:r>
+              <a:rPr lang="ko-KR" altLang="ko-KR" sz="2800" dirty="0" err="1">
+                <a:highlight>
+                  <a:srgbClr val="C0C0C0"/>
+                </a:highlight>
+              </a:rPr>
               <a:t>user</a:t>
             </a:r>
             <a:r>
-              <a:rPr lang="ko-KR" altLang="ko-KR" dirty="0"/>
-              <a:t> </a:t>
-            </a:r>
-            <a:r>
-              <a:rPr lang="ko-KR" altLang="ko-KR" dirty="0" err="1"/>
+              <a:rPr lang="ko-KR" altLang="ko-KR" sz="2800" dirty="0">
+                <a:highlight>
+                  <a:srgbClr val="C0C0C0"/>
+                </a:highlight>
+              </a:rPr>
+              <a:t> </a:t>
+            </a:r>
+            <a:r>
+              <a:rPr lang="ko-KR" altLang="ko-KR" sz="2800" dirty="0" err="1">
+                <a:highlight>
+                  <a:srgbClr val="C0C0C0"/>
+                </a:highlight>
+              </a:rPr>
               <a:t>input</a:t>
             </a:r>
             <a:r>
-              <a:rPr lang="ko-KR" altLang="ko-KR" dirty="0"/>
+              <a:rPr lang="ko-KR" altLang="ko-KR" sz="2800" dirty="0">
+                <a:highlight>
+                  <a:srgbClr val="C0C0C0"/>
+                </a:highlight>
+              </a:rPr>
               <a:t>.</a:t>
             </a:r>
             <a:r>
-              <a:rPr lang="en-US" altLang="ko-KR" dirty="0"/>
+              <a:rPr lang="en-US" altLang="ko-KR" sz="2800" dirty="0">
+                <a:highlight>
+                  <a:srgbClr val="C0C0C0"/>
+                </a:highlight>
+              </a:rPr>
               <a:t> </a:t>
             </a:r>
           </a:p>
@@ -8869,6 +9192,575 @@
     <p:extLst>
       <p:ext uri="{BB962C8B-B14F-4D97-AF65-F5344CB8AC3E}">
         <p14:creationId xmlns:p14="http://schemas.microsoft.com/office/powerpoint/2010/main" val="1082480909"/>
+      </p:ext>
+    </p:extLst>
+  </p:cSld>
+  <p:clrMapOvr>
+    <a:masterClrMapping/>
+  </p:clrMapOvr>
+</p:sld>
+</file>
+
+<file path=ppt/slides/slide30.xml><?xml version="1.0" encoding="utf-8"?>
+<p:sld xmlns:a="http://schemas.openxmlformats.org/drawingml/2006/main" xmlns:r="http://schemas.openxmlformats.org/officeDocument/2006/relationships" xmlns:p="http://schemas.openxmlformats.org/presentationml/2006/main">
+  <p:cSld>
+    <p:spTree>
+      <p:nvGrpSpPr>
+        <p:cNvPr id="1" name=""/>
+        <p:cNvGrpSpPr/>
+        <p:nvPr/>
+      </p:nvGrpSpPr>
+      <p:grpSpPr>
+        <a:xfrm>
+          <a:off x="0" y="0"/>
+          <a:ext cx="0" cy="0"/>
+          <a:chOff x="0" y="0"/>
+          <a:chExt cx="0" cy="0"/>
+        </a:xfrm>
+      </p:grpSpPr>
+      <p:sp>
+        <p:nvSpPr>
+          <p:cNvPr id="2" name="제목 1">
+            <a:extLst>
+              <a:ext uri="{FF2B5EF4-FFF2-40B4-BE49-F238E27FC236}">
+                <a16:creationId xmlns:a16="http://schemas.microsoft.com/office/drawing/2014/main" id="{91ED3563-2FE7-48C7-8E5D-61C998CECBF3}"/>
+              </a:ext>
+            </a:extLst>
+          </p:cNvPr>
+          <p:cNvSpPr>
+            <a:spLocks noGrp="1"/>
+          </p:cNvSpPr>
+          <p:nvPr>
+            <p:ph type="title"/>
+          </p:nvPr>
+        </p:nvSpPr>
+        <p:spPr/>
+        <p:txBody>
+          <a:bodyPr/>
+          <a:lstStyle/>
+          <a:p>
+            <a:r>
+              <a:rPr lang="en-US" altLang="ko-KR" dirty="0"/>
+              <a:t>Limitations of </a:t>
+            </a:r>
+            <a:r>
+              <a:rPr lang="en-US" altLang="ko-KR" dirty="0" err="1"/>
+              <a:t>ChatGPT</a:t>
+            </a:r>
+            <a:br>
+              <a:rPr lang="en-US" altLang="ko-KR"/>
+            </a:br>
+            <a:endParaRPr lang="ko-KR" altLang="en-US"/>
+          </a:p>
+        </p:txBody>
+      </p:sp>
+      <p:sp>
+        <p:nvSpPr>
+          <p:cNvPr id="3" name="내용 개체 틀 2">
+            <a:extLst>
+              <a:ext uri="{FF2B5EF4-FFF2-40B4-BE49-F238E27FC236}">
+                <a16:creationId xmlns:a16="http://schemas.microsoft.com/office/drawing/2014/main" id="{79371D52-116E-467B-B422-091987890594}"/>
+              </a:ext>
+            </a:extLst>
+          </p:cNvPr>
+          <p:cNvSpPr>
+            <a:spLocks noGrp="1"/>
+          </p:cNvSpPr>
+          <p:nvPr>
+            <p:ph idx="1"/>
+          </p:nvPr>
+        </p:nvSpPr>
+        <p:spPr/>
+        <p:txBody>
+          <a:bodyPr>
+            <a:normAutofit fontScale="47500" lnSpcReduction="20000"/>
+          </a:bodyPr>
+          <a:lstStyle/>
+          <a:p>
+            <a:r>
+              <a:rPr lang="en-US" altLang="ko-KR" dirty="0"/>
+              <a:t>Lack of context awareness</a:t>
+            </a:r>
+          </a:p>
+          <a:p>
+            <a:r>
+              <a:rPr lang="en-US" altLang="ko-KR" dirty="0"/>
+              <a:t>One limitation of </a:t>
+            </a:r>
+            <a:r>
+              <a:rPr lang="en-US" altLang="ko-KR" dirty="0" err="1"/>
+              <a:t>ChatGPT</a:t>
+            </a:r>
+            <a:r>
+              <a:rPr lang="en-US" altLang="ko-KR" dirty="0"/>
+              <a:t> is that it is not always able to fully understand the context of a given text.</a:t>
+            </a:r>
+          </a:p>
+          <a:p>
+            <a:r>
+              <a:rPr lang="en-US" altLang="ko-KR" dirty="0"/>
+              <a:t>This can lead to the generation of text that is not appropriate or does not make sense in the given context.</a:t>
+            </a:r>
+          </a:p>
+          <a:p>
+            <a:r>
+              <a:rPr lang="en-US" altLang="ko-KR" dirty="0"/>
+              <a:t>This is particularly a limitation when the model is used in a conversational setting, where understanding the context of a conversation is crucial.</a:t>
+            </a:r>
+          </a:p>
+          <a:p>
+            <a:r>
+              <a:rPr lang="en-US" altLang="ko-KR" dirty="0"/>
+              <a:t>Limited ability to handle tasks that require common sense knowledge</a:t>
+            </a:r>
+          </a:p>
+          <a:p>
+            <a:r>
+              <a:rPr lang="en-US" altLang="ko-KR" dirty="0" err="1"/>
+              <a:t>ChatGPT</a:t>
+            </a:r>
+            <a:r>
+              <a:rPr lang="en-US" altLang="ko-KR" dirty="0"/>
+              <a:t> has been trained on a large dataset of text data, but it does not have access to common sense knowledge that humans possess.</a:t>
+            </a:r>
+          </a:p>
+          <a:p>
+            <a:r>
+              <a:rPr lang="en-US" altLang="ko-KR" dirty="0"/>
+              <a:t>This can limit its ability to perform certain tasks that require knowledge of the world, such as understanding idioms or sarcasm.</a:t>
+            </a:r>
+          </a:p>
+          <a:p>
+            <a:r>
+              <a:rPr lang="en-US" altLang="ko-KR" dirty="0"/>
+              <a:t>This limitation can be overcome by fine-tuning the model with task-specific data, but it still may not perform as well as a human in certain tasks.</a:t>
+            </a:r>
+          </a:p>
+          <a:p>
+            <a:r>
+              <a:rPr lang="en-US" altLang="ko-KR" dirty="0"/>
+              <a:t>Potential ethical concerns surrounding the use of AI-generated text</a:t>
+            </a:r>
+          </a:p>
+          <a:p>
+            <a:r>
+              <a:rPr lang="en-US" altLang="ko-KR" dirty="0"/>
+              <a:t>The use of AI-generated text raises ethical concerns such as potential manipulation of public opinion or spreading misinformation.</a:t>
+            </a:r>
+          </a:p>
+          <a:p>
+            <a:r>
+              <a:rPr lang="en-US" altLang="ko-KR" dirty="0"/>
+              <a:t>As the generated text can be difficult to distinguish from text written by a human, it may be used for malicious purposes such as impersonation or propaganda.</a:t>
+            </a:r>
+          </a:p>
+          <a:p>
+            <a:r>
+              <a:rPr lang="en-US" altLang="ko-KR" dirty="0"/>
+              <a:t>It is important to consider these ethical concerns when developing and deploying </a:t>
+            </a:r>
+            <a:r>
+              <a:rPr lang="en-US" altLang="ko-KR" dirty="0" err="1"/>
+              <a:t>ChatGPT</a:t>
+            </a:r>
+            <a:r>
+              <a:rPr lang="en-US" altLang="ko-KR" dirty="0"/>
+              <a:t> models, and to have proper measures in place to detect and prevent any potential misuse of the technology.</a:t>
+            </a:r>
+          </a:p>
+          <a:p>
+            <a:endParaRPr lang="ko-KR" altLang="en-US" dirty="0"/>
+          </a:p>
+        </p:txBody>
+      </p:sp>
+    </p:spTree>
+    <p:extLst>
+      <p:ext uri="{BB962C8B-B14F-4D97-AF65-F5344CB8AC3E}">
+        <p14:creationId xmlns:p14="http://schemas.microsoft.com/office/powerpoint/2010/main" val="3553564487"/>
+      </p:ext>
+    </p:extLst>
+  </p:cSld>
+  <p:clrMapOvr>
+    <a:masterClrMapping/>
+  </p:clrMapOvr>
+</p:sld>
+</file>
+
+<file path=ppt/slides/slide31.xml><?xml version="1.0" encoding="utf-8"?>
+<p:sld xmlns:a="http://schemas.openxmlformats.org/drawingml/2006/main" xmlns:r="http://schemas.openxmlformats.org/officeDocument/2006/relationships" xmlns:p="http://schemas.openxmlformats.org/presentationml/2006/main">
+  <p:cSld>
+    <p:spTree>
+      <p:nvGrpSpPr>
+        <p:cNvPr id="1" name=""/>
+        <p:cNvGrpSpPr/>
+        <p:nvPr/>
+      </p:nvGrpSpPr>
+      <p:grpSpPr>
+        <a:xfrm>
+          <a:off x="0" y="0"/>
+          <a:ext cx="0" cy="0"/>
+          <a:chOff x="0" y="0"/>
+          <a:chExt cx="0" cy="0"/>
+        </a:xfrm>
+      </p:grpSpPr>
+      <p:sp>
+        <p:nvSpPr>
+          <p:cNvPr id="2" name="제목 1">
+            <a:extLst>
+              <a:ext uri="{FF2B5EF4-FFF2-40B4-BE49-F238E27FC236}">
+                <a16:creationId xmlns:a16="http://schemas.microsoft.com/office/drawing/2014/main" id="{BB4525D2-F44A-4AC0-B26F-C1CF3B774CBF}"/>
+              </a:ext>
+            </a:extLst>
+          </p:cNvPr>
+          <p:cNvSpPr>
+            <a:spLocks noGrp="1"/>
+          </p:cNvSpPr>
+          <p:nvPr>
+            <p:ph type="title"/>
+          </p:nvPr>
+        </p:nvSpPr>
+        <p:spPr/>
+        <p:txBody>
+          <a:bodyPr/>
+          <a:lstStyle/>
+          <a:p>
+            <a:r>
+              <a:rPr lang="en-US" altLang="ko-KR" dirty="0"/>
+              <a:t>chat GPT</a:t>
+            </a:r>
+            <a:endParaRPr lang="ko-KR" altLang="en-US" dirty="0"/>
+          </a:p>
+        </p:txBody>
+      </p:sp>
+      <p:sp>
+        <p:nvSpPr>
+          <p:cNvPr id="3" name="내용 개체 틀 2">
+            <a:extLst>
+              <a:ext uri="{FF2B5EF4-FFF2-40B4-BE49-F238E27FC236}">
+                <a16:creationId xmlns:a16="http://schemas.microsoft.com/office/drawing/2014/main" id="{E4BE8763-09BB-462A-8B96-E8A3DE4DF49F}"/>
+              </a:ext>
+            </a:extLst>
+          </p:cNvPr>
+          <p:cNvSpPr>
+            <a:spLocks noGrp="1"/>
+          </p:cNvSpPr>
+          <p:nvPr>
+            <p:ph idx="1"/>
+          </p:nvPr>
+        </p:nvSpPr>
+        <p:spPr/>
+        <p:txBody>
+          <a:bodyPr>
+            <a:normAutofit/>
+          </a:bodyPr>
+          <a:lstStyle/>
+          <a:p>
+            <a:r>
+              <a:rPr lang="ko-KR" altLang="ko-KR" b="1" i="1" dirty="0" err="1"/>
+              <a:t>Generative</a:t>
+            </a:r>
+            <a:r>
+              <a:rPr lang="ko-KR" altLang="ko-KR" b="1" i="1" dirty="0"/>
+              <a:t> </a:t>
+            </a:r>
+            <a:r>
+              <a:rPr lang="ko-KR" altLang="ko-KR" b="1" i="1" dirty="0" err="1"/>
+              <a:t>Pre-trained</a:t>
+            </a:r>
+            <a:r>
+              <a:rPr lang="ko-KR" altLang="ko-KR" b="1" i="1" dirty="0"/>
+              <a:t> </a:t>
+            </a:r>
+            <a:r>
+              <a:rPr lang="ko-KR" altLang="ko-KR" b="1" i="1" dirty="0" err="1"/>
+              <a:t>Transformer</a:t>
+            </a:r>
+            <a:endParaRPr lang="en-US" altLang="ko-KR" b="1" i="1" dirty="0"/>
+          </a:p>
+          <a:p>
+            <a:endParaRPr lang="en-US" altLang="ko-KR" b="1" i="1" dirty="0"/>
+          </a:p>
+          <a:p>
+            <a:r>
+              <a:rPr lang="ko-KR" altLang="ko-KR" sz="2400" dirty="0" err="1"/>
+              <a:t>In</a:t>
+            </a:r>
+            <a:r>
+              <a:rPr lang="ko-KR" altLang="ko-KR" sz="2400" dirty="0"/>
+              <a:t> </a:t>
+            </a:r>
+            <a:r>
+              <a:rPr lang="ko-KR" altLang="ko-KR" sz="2400" dirty="0" err="1"/>
+              <a:t>a</a:t>
+            </a:r>
+            <a:r>
+              <a:rPr lang="ko-KR" altLang="ko-KR" sz="2400" dirty="0"/>
+              <a:t> </a:t>
+            </a:r>
+            <a:r>
+              <a:rPr lang="ko-KR" altLang="ko-KR" sz="2400" dirty="0" err="1"/>
+              <a:t>nutshell</a:t>
+            </a:r>
+            <a:r>
+              <a:rPr lang="ko-KR" altLang="ko-KR" sz="2400" dirty="0"/>
+              <a:t>, </a:t>
+            </a:r>
+            <a:r>
+              <a:rPr lang="ko-KR" altLang="ko-KR" sz="2400" dirty="0" err="1"/>
+              <a:t>Chat</a:t>
+            </a:r>
+            <a:r>
+              <a:rPr lang="ko-KR" altLang="ko-KR" sz="2400" dirty="0"/>
+              <a:t> GPT </a:t>
+            </a:r>
+            <a:r>
+              <a:rPr lang="ko-KR" altLang="ko-KR" sz="2400" dirty="0" err="1"/>
+              <a:t>is</a:t>
+            </a:r>
+            <a:r>
+              <a:rPr lang="ko-KR" altLang="ko-KR" sz="2400" dirty="0"/>
+              <a:t> </a:t>
+            </a:r>
+            <a:r>
+              <a:rPr lang="ko-KR" altLang="ko-KR" sz="2400" dirty="0" err="1"/>
+              <a:t>an</a:t>
+            </a:r>
+            <a:r>
+              <a:rPr lang="ko-KR" altLang="ko-KR" sz="2400" dirty="0"/>
+              <a:t> </a:t>
+            </a:r>
+            <a:endParaRPr lang="en-US" altLang="ko-KR" sz="2400" dirty="0"/>
+          </a:p>
+          <a:p>
+            <a:endParaRPr lang="ko-KR" altLang="ko-KR" sz="2400" dirty="0"/>
+          </a:p>
+          <a:p>
+            <a:pPr marL="457200" lvl="1" indent="0">
+              <a:buNone/>
+            </a:pPr>
+            <a:r>
+              <a:rPr lang="ko-KR" altLang="ko-KR" dirty="0" err="1"/>
+              <a:t>artificial</a:t>
+            </a:r>
+            <a:r>
+              <a:rPr lang="ko-KR" altLang="ko-KR" dirty="0"/>
+              <a:t> </a:t>
+            </a:r>
+            <a:r>
+              <a:rPr lang="ko-KR" altLang="ko-KR" dirty="0" err="1"/>
+              <a:t>intelligence</a:t>
+            </a:r>
+            <a:r>
+              <a:rPr lang="ko-KR" altLang="ko-KR" dirty="0"/>
+              <a:t> (AI) </a:t>
+            </a:r>
+            <a:r>
+              <a:rPr lang="ko-KR" altLang="ko-KR" dirty="0" err="1"/>
+              <a:t>content</a:t>
+            </a:r>
+            <a:r>
+              <a:rPr lang="ko-KR" altLang="ko-KR" dirty="0"/>
+              <a:t> </a:t>
+            </a:r>
+            <a:r>
+              <a:rPr lang="ko-KR" altLang="ko-KR" dirty="0" err="1"/>
+              <a:t>generator</a:t>
+            </a:r>
+            <a:r>
+              <a:rPr lang="ko-KR" altLang="ko-KR" dirty="0"/>
+              <a:t> </a:t>
+            </a:r>
+            <a:endParaRPr lang="en-US" altLang="ko-KR" dirty="0"/>
+          </a:p>
+          <a:p>
+            <a:pPr marL="457200" lvl="1" indent="0">
+              <a:buNone/>
+            </a:pPr>
+            <a:endParaRPr lang="ko-KR" altLang="ko-KR" dirty="0"/>
+          </a:p>
+          <a:p>
+            <a:pPr marL="457200" lvl="1" indent="0">
+              <a:buNone/>
+            </a:pPr>
+            <a:r>
+              <a:rPr lang="ko-KR" altLang="ko-KR" dirty="0" err="1"/>
+              <a:t>that</a:t>
+            </a:r>
+            <a:r>
+              <a:rPr lang="ko-KR" altLang="ko-KR" dirty="0"/>
+              <a:t> </a:t>
+            </a:r>
+            <a:r>
+              <a:rPr lang="ko-KR" altLang="ko-KR" dirty="0" err="1"/>
+              <a:t>semi-autonomously</a:t>
+            </a:r>
+            <a:r>
+              <a:rPr lang="ko-KR" altLang="ko-KR" dirty="0"/>
+              <a:t> </a:t>
+            </a:r>
+            <a:r>
+              <a:rPr lang="ko-KR" altLang="ko-KR" dirty="0" err="1"/>
+              <a:t>creates</a:t>
+            </a:r>
+            <a:r>
+              <a:rPr lang="ko-KR" altLang="ko-KR" dirty="0"/>
+              <a:t> </a:t>
+            </a:r>
+            <a:r>
+              <a:rPr lang="ko-KR" altLang="ko-KR" dirty="0" err="1"/>
+              <a:t>phrases</a:t>
+            </a:r>
+            <a:r>
+              <a:rPr lang="ko-KR" altLang="ko-KR" dirty="0"/>
+              <a:t> and </a:t>
+            </a:r>
+            <a:r>
+              <a:rPr lang="ko-KR" altLang="ko-KR" dirty="0" err="1"/>
+              <a:t>articles</a:t>
+            </a:r>
+            <a:r>
+              <a:rPr lang="ko-KR" altLang="ko-KR" dirty="0"/>
+              <a:t> </a:t>
+            </a:r>
+            <a:endParaRPr lang="en-US" altLang="ko-KR" dirty="0"/>
+          </a:p>
+          <a:p>
+            <a:pPr marL="457200" lvl="1" indent="0">
+              <a:buNone/>
+            </a:pPr>
+            <a:endParaRPr lang="en-US" altLang="ko-KR" dirty="0"/>
+          </a:p>
+          <a:p>
+            <a:pPr marL="457200" lvl="1" indent="0">
+              <a:buNone/>
+            </a:pPr>
+            <a:r>
+              <a:rPr lang="ko-KR" altLang="ko-KR" sz="3600" dirty="0" err="1">
+                <a:solidFill>
+                  <a:schemeClr val="accent5">
+                    <a:lumMod val="75000"/>
+                  </a:schemeClr>
+                </a:solidFill>
+                <a:highlight>
+                  <a:srgbClr val="C0C0C0"/>
+                </a:highlight>
+              </a:rPr>
+              <a:t>based</a:t>
+            </a:r>
+            <a:r>
+              <a:rPr lang="ko-KR" altLang="ko-KR" sz="3600" dirty="0">
+                <a:solidFill>
+                  <a:schemeClr val="accent5">
+                    <a:lumMod val="75000"/>
+                  </a:schemeClr>
+                </a:solidFill>
+                <a:highlight>
+                  <a:srgbClr val="C0C0C0"/>
+                </a:highlight>
+              </a:rPr>
+              <a:t> </a:t>
+            </a:r>
+            <a:r>
+              <a:rPr lang="ko-KR" altLang="ko-KR" sz="3600" dirty="0" err="1">
+                <a:solidFill>
+                  <a:schemeClr val="accent5">
+                    <a:lumMod val="75000"/>
+                  </a:schemeClr>
+                </a:solidFill>
+                <a:highlight>
+                  <a:srgbClr val="C0C0C0"/>
+                </a:highlight>
+              </a:rPr>
+              <a:t>on</a:t>
+            </a:r>
+            <a:r>
+              <a:rPr lang="ko-KR" altLang="ko-KR" sz="3600" dirty="0">
+                <a:solidFill>
+                  <a:schemeClr val="accent5">
+                    <a:lumMod val="75000"/>
+                  </a:schemeClr>
+                </a:solidFill>
+                <a:highlight>
+                  <a:srgbClr val="C0C0C0"/>
+                </a:highlight>
+              </a:rPr>
+              <a:t> </a:t>
+            </a:r>
+            <a:r>
+              <a:rPr lang="ko-KR" altLang="ko-KR" sz="3600" dirty="0" err="1">
+                <a:solidFill>
+                  <a:schemeClr val="accent5">
+                    <a:lumMod val="75000"/>
+                  </a:schemeClr>
+                </a:solidFill>
+                <a:highlight>
+                  <a:srgbClr val="C0C0C0"/>
+                </a:highlight>
+              </a:rPr>
+              <a:t>user</a:t>
+            </a:r>
+            <a:r>
+              <a:rPr lang="ko-KR" altLang="ko-KR" sz="3600" dirty="0">
+                <a:solidFill>
+                  <a:schemeClr val="accent5">
+                    <a:lumMod val="75000"/>
+                  </a:schemeClr>
+                </a:solidFill>
+                <a:highlight>
+                  <a:srgbClr val="C0C0C0"/>
+                </a:highlight>
+              </a:rPr>
+              <a:t> </a:t>
+            </a:r>
+            <a:r>
+              <a:rPr lang="ko-KR" altLang="ko-KR" sz="3600" dirty="0" err="1">
+                <a:solidFill>
+                  <a:schemeClr val="accent5">
+                    <a:lumMod val="75000"/>
+                  </a:schemeClr>
+                </a:solidFill>
+                <a:highlight>
+                  <a:srgbClr val="C0C0C0"/>
+                </a:highlight>
+              </a:rPr>
+              <a:t>input</a:t>
+            </a:r>
+            <a:r>
+              <a:rPr lang="ko-KR" altLang="ko-KR" sz="3600" dirty="0">
+                <a:solidFill>
+                  <a:schemeClr val="accent5">
+                    <a:lumMod val="75000"/>
+                  </a:schemeClr>
+                </a:solidFill>
+                <a:highlight>
+                  <a:srgbClr val="C0C0C0"/>
+                </a:highlight>
+              </a:rPr>
+              <a:t>.</a:t>
+            </a:r>
+            <a:r>
+              <a:rPr lang="en-US" altLang="ko-KR" sz="3600" dirty="0">
+                <a:solidFill>
+                  <a:schemeClr val="accent5">
+                    <a:lumMod val="75000"/>
+                  </a:schemeClr>
+                </a:solidFill>
+                <a:highlight>
+                  <a:srgbClr val="C0C0C0"/>
+                </a:highlight>
+              </a:rPr>
+              <a:t> </a:t>
+            </a:r>
+          </a:p>
+          <a:p>
+            <a:endParaRPr lang="ko-KR" altLang="en-US" dirty="0"/>
+          </a:p>
+        </p:txBody>
+      </p:sp>
+    </p:spTree>
+    <p:extLst>
+      <p:ext uri="{BB962C8B-B14F-4D97-AF65-F5344CB8AC3E}">
+        <p14:creationId xmlns:p14="http://schemas.microsoft.com/office/powerpoint/2010/main" val="1556132469"/>
       </p:ext>
     </p:extLst>
   </p:cSld>
@@ -8940,62 +9832,16 @@
             <p:ph idx="1"/>
           </p:nvPr>
         </p:nvSpPr>
-        <p:spPr/>
+        <p:spPr>
+          <a:xfrm>
+            <a:off x="419450" y="1272317"/>
+            <a:ext cx="6177791" cy="4901979"/>
+          </a:xfrm>
+        </p:spPr>
         <p:txBody>
           <a:bodyPr/>
           <a:lstStyle/>
           <a:p>
-            <a:r>
-              <a:rPr lang="ko-KR" altLang="ko-KR" sz="2400" dirty="0" err="1"/>
-              <a:t>In</a:t>
-            </a:r>
-            <a:r>
-              <a:rPr lang="ko-KR" altLang="ko-KR" sz="2400" dirty="0"/>
-              <a:t> </a:t>
-            </a:r>
-            <a:r>
-              <a:rPr lang="ko-KR" altLang="ko-KR" sz="2400" dirty="0" err="1"/>
-              <a:t>the</a:t>
-            </a:r>
-            <a:r>
-              <a:rPr lang="ko-KR" altLang="ko-KR" sz="2400" dirty="0"/>
-              <a:t> </a:t>
-            </a:r>
-            <a:r>
-              <a:rPr lang="ko-KR" altLang="ko-KR" sz="2400" dirty="0" err="1"/>
-              <a:t>context</a:t>
-            </a:r>
-            <a:r>
-              <a:rPr lang="ko-KR" altLang="ko-KR" sz="2400" dirty="0"/>
-              <a:t> of "</a:t>
-            </a:r>
-            <a:r>
-              <a:rPr lang="ko-KR" altLang="ko-KR" sz="2400" dirty="0" err="1"/>
-              <a:t>Generative</a:t>
-            </a:r>
-            <a:r>
-              <a:rPr lang="ko-KR" altLang="ko-KR" sz="2400" dirty="0"/>
-              <a:t> </a:t>
-            </a:r>
-            <a:r>
-              <a:rPr lang="ko-KR" altLang="ko-KR" sz="2400" dirty="0" err="1"/>
-              <a:t>Pre-trained</a:t>
-            </a:r>
-            <a:r>
-              <a:rPr lang="ko-KR" altLang="ko-KR" sz="2400" dirty="0"/>
-              <a:t> </a:t>
-            </a:r>
-            <a:r>
-              <a:rPr lang="ko-KR" altLang="ko-KR" sz="2400" dirty="0" err="1"/>
-              <a:t>Transformer</a:t>
-            </a:r>
-            <a:r>
-              <a:rPr lang="ko-KR" altLang="ko-KR" sz="2400" dirty="0"/>
-              <a:t>" </a:t>
-            </a:r>
-            <a:endParaRPr lang="en-US" altLang="ko-KR" sz="2400" dirty="0"/>
-          </a:p>
-          <a:p>
             <a:endParaRPr lang="en-US" altLang="ko-KR" sz="2400" dirty="0"/>
           </a:p>
           <a:p>
@@ -9003,48 +9849,28 @@
               <a:buNone/>
             </a:pPr>
             <a:r>
-              <a:rPr lang="ko-KR" altLang="ko-KR" dirty="0"/>
-              <a:t>(GPT), </a:t>
-            </a:r>
-            <a:r>
-              <a:rPr lang="ko-KR" altLang="ko-KR" dirty="0" err="1"/>
-              <a:t>the</a:t>
-            </a:r>
-            <a:r>
-              <a:rPr lang="ko-KR" altLang="ko-KR" dirty="0"/>
-              <a:t> </a:t>
-            </a:r>
-            <a:r>
-              <a:rPr lang="ko-KR" altLang="ko-KR" dirty="0" err="1"/>
-              <a:t>term</a:t>
-            </a:r>
-            <a:r>
-              <a:rPr lang="ko-KR" altLang="ko-KR" dirty="0"/>
-              <a:t> "</a:t>
-            </a:r>
-            <a:r>
-              <a:rPr lang="ko-KR" altLang="ko-KR" dirty="0" err="1"/>
-              <a:t>Transformer</a:t>
-            </a:r>
-            <a:r>
-              <a:rPr lang="ko-KR" altLang="ko-KR" dirty="0"/>
-              <a:t>" </a:t>
-            </a:r>
-            <a:r>
-              <a:rPr lang="ko-KR" altLang="ko-KR" dirty="0" err="1"/>
-              <a:t>refers</a:t>
-            </a:r>
-            <a:r>
-              <a:rPr lang="ko-KR" altLang="ko-KR" dirty="0"/>
-              <a:t> </a:t>
-            </a:r>
-            <a:r>
-              <a:rPr lang="ko-KR" altLang="ko-KR" dirty="0" err="1"/>
-              <a:t>to</a:t>
-            </a:r>
-            <a:r>
-              <a:rPr lang="ko-KR" altLang="ko-KR" dirty="0"/>
-              <a:t> </a:t>
+              <a:rPr lang="ko-KR" altLang="ko-KR" dirty="0" err="1"/>
+              <a:t>a</a:t>
+            </a:r>
+            <a:r>
+              <a:rPr lang="ko-KR" altLang="ko-KR" dirty="0"/>
+              <a:t> </a:t>
+            </a:r>
+            <a:r>
+              <a:rPr lang="ko-KR" altLang="ko-KR" dirty="0" err="1"/>
+              <a:t>specific</a:t>
+            </a:r>
+            <a:r>
+              <a:rPr lang="ko-KR" altLang="ko-KR" dirty="0"/>
+              <a:t> </a:t>
+            </a:r>
+            <a:r>
+              <a:rPr lang="ko-KR" altLang="ko-KR" dirty="0" err="1"/>
+              <a:t>type</a:t>
+            </a:r>
+            <a:r>
+              <a:rPr lang="ko-KR" altLang="ko-KR" dirty="0"/>
+              <a:t> of </a:t>
             </a:r>
             <a:endParaRPr lang="en-US" altLang="ko-KR" dirty="0"/>
           </a:p>
@@ -9052,36 +9878,16 @@
             <a:pPr marL="457200" lvl="1" indent="0">
               <a:buNone/>
             </a:pPr>
-            <a:endParaRPr lang="ko-KR" altLang="ko-KR" dirty="0"/>
+            <a:endParaRPr lang="en-US" altLang="ko-KR" sz="2800" dirty="0">
+              <a:highlight>
+                <a:srgbClr val="C0C0C0"/>
+              </a:highlight>
+            </a:endParaRPr>
           </a:p>
           <a:p>
             <a:pPr marL="457200" lvl="1" indent="0">
               <a:buNone/>
             </a:pPr>
-            <a:r>
-              <a:rPr lang="ko-KR" altLang="ko-KR" dirty="0" err="1"/>
-              <a:t>a</a:t>
-            </a:r>
-            <a:r>
-              <a:rPr lang="ko-KR" altLang="ko-KR" dirty="0"/>
-              <a:t> </a:t>
-            </a:r>
-            <a:r>
-              <a:rPr lang="ko-KR" altLang="ko-KR" dirty="0" err="1"/>
-              <a:t>specific</a:t>
-            </a:r>
-            <a:r>
-              <a:rPr lang="ko-KR" altLang="ko-KR" dirty="0"/>
-              <a:t> </a:t>
-            </a:r>
-            <a:r>
-              <a:rPr lang="ko-KR" altLang="ko-KR" dirty="0" err="1"/>
-              <a:t>type</a:t>
-            </a:r>
-            <a:r>
-              <a:rPr lang="ko-KR" altLang="ko-KR" dirty="0"/>
-              <a:t> of </a:t>
-            </a:r>
             <a:r>
               <a:rPr lang="ko-KR" altLang="ko-KR" sz="2800" dirty="0" err="1">
                 <a:highlight>
@@ -9138,22 +9944,6 @@
               <a:rPr lang="ko-KR" altLang="ko-KR" dirty="0"/>
               <a:t> </a:t>
             </a:r>
-            <a:r>
-              <a:rPr lang="ko-KR" altLang="ko-KR" dirty="0" err="1"/>
-              <a:t>called</a:t>
-            </a:r>
-            <a:r>
-              <a:rPr lang="ko-KR" altLang="ko-KR" dirty="0"/>
-              <a:t> </a:t>
-            </a:r>
-            <a:r>
-              <a:rPr lang="ko-KR" altLang="ko-KR" dirty="0" err="1"/>
-              <a:t>the</a:t>
-            </a:r>
-            <a:r>
-              <a:rPr lang="ko-KR" altLang="ko-KR" dirty="0"/>
-              <a:t> </a:t>
-            </a:r>
             <a:endParaRPr lang="en-US" altLang="ko-KR" dirty="0"/>
           </a:p>
           <a:p>
@@ -9168,6 +9958,22 @@
             </a:pPr>
             <a:r>
               <a:rPr lang="ko-KR" altLang="ko-KR" dirty="0" err="1"/>
+              <a:t>called</a:t>
+            </a:r>
+            <a:r>
+              <a:rPr lang="ko-KR" altLang="ko-KR" dirty="0"/>
+              <a:t> </a:t>
+            </a:r>
+            <a:r>
+              <a:rPr lang="ko-KR" altLang="ko-KR" dirty="0" err="1"/>
+              <a:t>the</a:t>
+            </a:r>
+            <a:r>
+              <a:rPr lang="ko-KR" altLang="ko-KR" dirty="0"/>
+              <a:t> </a:t>
+            </a:r>
+            <a:r>
+              <a:rPr lang="ko-KR" altLang="ko-KR" dirty="0" err="1"/>
               <a:t>Transformer</a:t>
             </a:r>
             <a:r>
@@ -9188,6 +9994,53 @@
           </a:p>
         </p:txBody>
       </p:sp>
+      <p:pic>
+        <p:nvPicPr>
+          <p:cNvPr id="1026" name="Picture 2" descr="A 17–95.6 TOPS/W Deep Learning Inference Accelerator with Per-Vector Scaled  4-bit Quantization for Transformers in 5nm | Research">
+            <a:extLst>
+              <a:ext uri="{FF2B5EF4-FFF2-40B4-BE49-F238E27FC236}">
+                <a16:creationId xmlns:a16="http://schemas.microsoft.com/office/drawing/2014/main" id="{D0EF7245-C5B1-47F4-91AA-56E4E6D5D74C}"/>
+              </a:ext>
+            </a:extLst>
+          </p:cNvPr>
+          <p:cNvPicPr>
+            <a:picLocks noChangeAspect="1" noChangeArrowheads="1"/>
+          </p:cNvPicPr>
+          <p:nvPr/>
+        </p:nvPicPr>
+        <p:blipFill>
+          <a:blip r:embed="rId2">
+            <a:extLst>
+              <a:ext uri="{28A0092B-C50C-407E-A947-70E740481C1C}">
+                <a14:useLocalDpi xmlns:a14="http://schemas.microsoft.com/office/drawing/2010/main" val="0"/>
+              </a:ext>
+            </a:extLst>
+          </a:blip>
+          <a:srcRect/>
+          <a:stretch>
+            <a:fillRect/>
+          </a:stretch>
+        </p:blipFill>
+        <p:spPr bwMode="auto">
+          <a:xfrm>
+            <a:off x="6532878" y="1124125"/>
+            <a:ext cx="5499688" cy="4609750"/>
+          </a:xfrm>
+          <a:prstGeom prst="rect">
+            <a:avLst/>
+          </a:prstGeom>
+          <a:noFill/>
+          <a:extLst>
+            <a:ext uri="{909E8E84-426E-40DD-AFC4-6F175D3DCCD1}">
+              <a14:hiddenFill xmlns:a14="http://schemas.microsoft.com/office/drawing/2010/main">
+                <a:solidFill>
+                  <a:srgbClr val="FFFFFF"/>
+                </a:solidFill>
+              </a14:hiddenFill>
+            </a:ext>
+          </a:extLst>
+        </p:spPr>
+      </p:pic>
     </p:spTree>
     <p:extLst>
       <p:ext uri="{BB962C8B-B14F-4D97-AF65-F5344CB8AC3E}">
@@ -11818,39 +12671,75 @@
               <a:buNone/>
             </a:pPr>
             <a:r>
-              <a:rPr lang="ko-KR" altLang="ko-KR" dirty="0" err="1"/>
+              <a:rPr lang="ko-KR" altLang="ko-KR" sz="2800" dirty="0" err="1">
+                <a:highlight>
+                  <a:srgbClr val="C0C0C0"/>
+                </a:highlight>
+              </a:rPr>
               <a:t>based</a:t>
             </a:r>
             <a:r>
-              <a:rPr lang="ko-KR" altLang="ko-KR" dirty="0"/>
-              <a:t> </a:t>
-            </a:r>
-            <a:r>
-              <a:rPr lang="ko-KR" altLang="ko-KR" dirty="0" err="1"/>
+              <a:rPr lang="ko-KR" altLang="ko-KR" sz="2800" dirty="0">
+                <a:highlight>
+                  <a:srgbClr val="C0C0C0"/>
+                </a:highlight>
+              </a:rPr>
+              <a:t> </a:t>
+            </a:r>
+            <a:r>
+              <a:rPr lang="ko-KR" altLang="ko-KR" sz="2800" dirty="0" err="1">
+                <a:highlight>
+                  <a:srgbClr val="C0C0C0"/>
+                </a:highlight>
+              </a:rPr>
               <a:t>on</a:t>
             </a:r>
             <a:r>
-              <a:rPr lang="ko-KR" altLang="ko-KR" dirty="0"/>
-              <a:t> </a:t>
-            </a:r>
-            <a:r>
-              <a:rPr lang="ko-KR" altLang="ko-KR" dirty="0" err="1"/>
+              <a:rPr lang="ko-KR" altLang="ko-KR" sz="2800" dirty="0">
+                <a:highlight>
+                  <a:srgbClr val="C0C0C0"/>
+                </a:highlight>
+              </a:rPr>
+              <a:t> </a:t>
+            </a:r>
+            <a:r>
+              <a:rPr lang="ko-KR" altLang="ko-KR" sz="2800" dirty="0" err="1">
+                <a:highlight>
+                  <a:srgbClr val="C0C0C0"/>
+                </a:highlight>
+              </a:rPr>
               <a:t>user</a:t>
             </a:r>
             <a:r>
-              <a:rPr lang="ko-KR" altLang="ko-KR" dirty="0"/>
-              <a:t> </a:t>
-            </a:r>
-            <a:r>
-              <a:rPr lang="ko-KR" altLang="ko-KR" dirty="0" err="1"/>
+              <a:rPr lang="ko-KR" altLang="ko-KR" sz="2800" dirty="0">
+                <a:highlight>
+                  <a:srgbClr val="C0C0C0"/>
+                </a:highlight>
+              </a:rPr>
+              <a:t> </a:t>
+            </a:r>
+            <a:r>
+              <a:rPr lang="ko-KR" altLang="ko-KR" sz="2800" dirty="0" err="1">
+                <a:highlight>
+                  <a:srgbClr val="C0C0C0"/>
+                </a:highlight>
+              </a:rPr>
               <a:t>input</a:t>
             </a:r>
             <a:r>
-              <a:rPr lang="ko-KR" altLang="ko-KR" dirty="0"/>
+              <a:rPr lang="ko-KR" altLang="ko-KR" sz="2800" dirty="0">
+                <a:highlight>
+                  <a:srgbClr val="C0C0C0"/>
+                </a:highlight>
+              </a:rPr>
               <a:t>.</a:t>
             </a:r>
             <a:r>
-              <a:rPr lang="en-US" altLang="ko-KR" dirty="0"/>
+              <a:rPr lang="en-US" altLang="ko-KR" sz="2800" dirty="0">
+                <a:highlight>
+                  <a:srgbClr val="C0C0C0"/>
+                </a:highlight>
+              </a:rPr>
               <a:t> </a:t>
             </a:r>
           </a:p>
@@ -11862,7 +12751,7 @@
     </p:spTree>
     <p:extLst>
       <p:ext uri="{BB962C8B-B14F-4D97-AF65-F5344CB8AC3E}">
-        <p14:creationId xmlns:p14="http://schemas.microsoft.com/office/powerpoint/2010/main" val="2734138670"/>
+        <p14:creationId xmlns:p14="http://schemas.microsoft.com/office/powerpoint/2010/main" val="3179239541"/>
       </p:ext>
     </p:extLst>
   </p:cSld>
@@ -11873,6 +12762,162 @@
 </file>
 
 <file path=ppt/slides/slide8.xml><?xml version="1.0" encoding="utf-8"?>
+<p:sld xmlns:a="http://schemas.openxmlformats.org/drawingml/2006/main" xmlns:r="http://schemas.openxmlformats.org/officeDocument/2006/relationships" xmlns:p="http://schemas.openxmlformats.org/presentationml/2006/main">
+  <p:cSld>
+    <p:spTree>
+      <p:nvGrpSpPr>
+        <p:cNvPr id="1" name=""/>
+        <p:cNvGrpSpPr/>
+        <p:nvPr/>
+      </p:nvGrpSpPr>
+      <p:grpSpPr>
+        <a:xfrm>
+          <a:off x="0" y="0"/>
+          <a:ext cx="0" cy="0"/>
+          <a:chOff x="0" y="0"/>
+          <a:chExt cx="0" cy="0"/>
+        </a:xfrm>
+      </p:grpSpPr>
+      <p:sp>
+        <p:nvSpPr>
+          <p:cNvPr id="2" name="제목 1">
+            <a:extLst>
+              <a:ext uri="{FF2B5EF4-FFF2-40B4-BE49-F238E27FC236}">
+                <a16:creationId xmlns:a16="http://schemas.microsoft.com/office/drawing/2014/main" id="{57E91A46-9E46-4310-8F37-1F257BEDCCA6}"/>
+              </a:ext>
+            </a:extLst>
+          </p:cNvPr>
+          <p:cNvSpPr>
+            <a:spLocks noGrp="1"/>
+          </p:cNvSpPr>
+          <p:nvPr>
+            <p:ph type="title"/>
+          </p:nvPr>
+        </p:nvSpPr>
+        <p:spPr/>
+        <p:txBody>
+          <a:bodyPr/>
+          <a:lstStyle/>
+          <a:p>
+            <a:r>
+              <a:rPr lang="en-US" altLang="ko-KR" dirty="0"/>
+              <a:t>key aspects of human intelligence:</a:t>
+            </a:r>
+            <a:br>
+              <a:rPr lang="en-US" altLang="ko-KR" dirty="0"/>
+            </a:br>
+            <a:endParaRPr lang="ko-KR" altLang="en-US" dirty="0"/>
+          </a:p>
+        </p:txBody>
+      </p:sp>
+      <p:sp>
+        <p:nvSpPr>
+          <p:cNvPr id="3" name="내용 개체 틀 2">
+            <a:extLst>
+              <a:ext uri="{FF2B5EF4-FFF2-40B4-BE49-F238E27FC236}">
+                <a16:creationId xmlns:a16="http://schemas.microsoft.com/office/drawing/2014/main" id="{66E3F63B-5E3D-4C2E-A0A2-6790D46D5163}"/>
+              </a:ext>
+            </a:extLst>
+          </p:cNvPr>
+          <p:cNvSpPr>
+            <a:spLocks noGrp="1"/>
+          </p:cNvSpPr>
+          <p:nvPr>
+            <p:ph idx="1"/>
+          </p:nvPr>
+        </p:nvSpPr>
+        <p:spPr/>
+        <p:txBody>
+          <a:bodyPr>
+            <a:normAutofit/>
+          </a:bodyPr>
+          <a:lstStyle/>
+          <a:p>
+            <a:r>
+              <a:rPr lang="en-US" altLang="ko-KR" sz="1300" dirty="0"/>
+              <a:t>Cognitive abilities: </a:t>
+            </a:r>
+            <a:r>
+              <a:rPr lang="en-US" altLang="ko-KR" sz="3600" dirty="0"/>
+              <a:t>Thinking</a:t>
+            </a:r>
+            <a:r>
+              <a:rPr lang="en-US" altLang="ko-KR" sz="1300" dirty="0"/>
+              <a:t>, reasoning, problem-solving, and memory.</a:t>
+            </a:r>
+          </a:p>
+          <a:p>
+            <a:endParaRPr lang="en-US" altLang="ko-KR" sz="1300" dirty="0"/>
+          </a:p>
+          <a:p>
+            <a:r>
+              <a:rPr lang="en-US" altLang="ko-KR" sz="1300" dirty="0"/>
+              <a:t>Learning and adaptability: Acquiring knowledge and applying it to different situations.</a:t>
+            </a:r>
+          </a:p>
+          <a:p>
+            <a:endParaRPr lang="en-US" altLang="ko-KR" sz="1300" dirty="0"/>
+          </a:p>
+          <a:p>
+            <a:r>
+              <a:rPr lang="en-US" altLang="ko-KR" sz="1300" dirty="0"/>
+              <a:t>Abstract thinking: Grasping complex ideas and making connections.</a:t>
+            </a:r>
+          </a:p>
+          <a:p>
+            <a:endParaRPr lang="en-US" altLang="ko-KR" sz="1300" dirty="0"/>
+          </a:p>
+          <a:p>
+            <a:r>
+              <a:rPr lang="en-US" altLang="ko-KR" sz="1300" dirty="0"/>
+              <a:t>Communication: Effective use of language for understanding and expression.</a:t>
+            </a:r>
+          </a:p>
+          <a:p>
+            <a:endParaRPr lang="en-US" altLang="ko-KR" sz="1300" dirty="0"/>
+          </a:p>
+          <a:p>
+            <a:r>
+              <a:rPr lang="en-US" altLang="ko-KR" sz="1300" dirty="0"/>
+              <a:t>Social and emotional understanding: </a:t>
+            </a:r>
+            <a:r>
+              <a:rPr lang="en-US" altLang="ko-KR" sz="3200" dirty="0"/>
+              <a:t>Interacting with others </a:t>
+            </a:r>
+            <a:r>
+              <a:rPr lang="en-US" altLang="ko-KR" sz="1300" dirty="0"/>
+              <a:t>and managing emotions.</a:t>
+            </a:r>
+          </a:p>
+          <a:p>
+            <a:endParaRPr lang="en-US" altLang="ko-KR" sz="1300" dirty="0"/>
+          </a:p>
+          <a:p>
+            <a:r>
+              <a:rPr lang="en-US" altLang="ko-KR" sz="1300" dirty="0"/>
+              <a:t>Problem solving and adaptability: Finding solutions and adjusting to new situations.</a:t>
+            </a:r>
+          </a:p>
+          <a:p>
+            <a:endParaRPr lang="ko-KR" altLang="en-US" dirty="0"/>
+          </a:p>
+        </p:txBody>
+      </p:sp>
+    </p:spTree>
+    <p:extLst>
+      <p:ext uri="{BB962C8B-B14F-4D97-AF65-F5344CB8AC3E}">
+        <p14:creationId xmlns:p14="http://schemas.microsoft.com/office/powerpoint/2010/main" val="1312600521"/>
+      </p:ext>
+    </p:extLst>
+  </p:cSld>
+  <p:clrMapOvr>
+    <a:masterClrMapping/>
+  </p:clrMapOvr>
+</p:sld>
+</file>
+
+<file path=ppt/slides/slide9.xml><?xml version="1.0" encoding="utf-8"?>
 <p:sld xmlns:a="http://schemas.openxmlformats.org/drawingml/2006/main" xmlns:r="http://schemas.openxmlformats.org/officeDocument/2006/relationships" xmlns:p="http://schemas.openxmlformats.org/presentationml/2006/main">
   <p:cSld>
     <p:spTree>
@@ -11940,724 +12985,6 @@
     <p:extLst>
       <p:ext uri="{BB962C8B-B14F-4D97-AF65-F5344CB8AC3E}">
         <p14:creationId xmlns:p14="http://schemas.microsoft.com/office/powerpoint/2010/main" val="1840422980"/>
-      </p:ext>
-    </p:extLst>
-  </p:cSld>
-  <p:clrMapOvr>
-    <a:masterClrMapping/>
-  </p:clrMapOvr>
-</p:sld>
-</file>
-
-<file path=ppt/slides/slide9.xml><?xml version="1.0" encoding="utf-8"?>
-<p:sld xmlns:a="http://schemas.openxmlformats.org/drawingml/2006/main" xmlns:r="http://schemas.openxmlformats.org/officeDocument/2006/relationships" xmlns:p="http://schemas.openxmlformats.org/presentationml/2006/main">
-  <p:cSld>
-    <p:spTree>
-      <p:nvGrpSpPr>
-        <p:cNvPr id="1" name=""/>
-        <p:cNvGrpSpPr/>
-        <p:nvPr/>
-      </p:nvGrpSpPr>
-      <p:grpSpPr>
-        <a:xfrm>
-          <a:off x="0" y="0"/>
-          <a:ext cx="0" cy="0"/>
-          <a:chOff x="0" y="0"/>
-          <a:chExt cx="0" cy="0"/>
-        </a:xfrm>
-      </p:grpSpPr>
-      <p:sp>
-        <p:nvSpPr>
-          <p:cNvPr id="2" name="제목 1">
-            <a:extLst>
-              <a:ext uri="{FF2B5EF4-FFF2-40B4-BE49-F238E27FC236}">
-                <a16:creationId xmlns:a16="http://schemas.microsoft.com/office/drawing/2014/main" id="{5F439BC4-6279-41D0-B6FF-2AD19C052FBC}"/>
-              </a:ext>
-            </a:extLst>
-          </p:cNvPr>
-          <p:cNvSpPr>
-            <a:spLocks noGrp="1"/>
-          </p:cNvSpPr>
-          <p:nvPr>
-            <p:ph type="title"/>
-          </p:nvPr>
-        </p:nvSpPr>
-        <p:spPr/>
-        <p:txBody>
-          <a:bodyPr/>
-          <a:lstStyle/>
-          <a:p>
-            <a:r>
-              <a:rPr lang="ko-KR" altLang="ko-KR" b="1" dirty="0" err="1"/>
-              <a:t>Alan</a:t>
-            </a:r>
-            <a:r>
-              <a:rPr lang="ko-KR" altLang="ko-KR" b="1" dirty="0"/>
-              <a:t> </a:t>
-            </a:r>
-            <a:r>
-              <a:rPr lang="ko-KR" altLang="ko-KR" b="1" dirty="0" err="1"/>
-              <a:t>Turing</a:t>
-            </a:r>
-            <a:br>
-              <a:rPr lang="en-US" altLang="ko-KR" dirty="0"/>
-            </a:br>
-            <a:endParaRPr lang="ko-KR" altLang="en-US" dirty="0"/>
-          </a:p>
-        </p:txBody>
-      </p:sp>
-      <p:sp>
-        <p:nvSpPr>
-          <p:cNvPr id="3" name="내용 개체 틀 2">
-            <a:extLst>
-              <a:ext uri="{FF2B5EF4-FFF2-40B4-BE49-F238E27FC236}">
-                <a16:creationId xmlns:a16="http://schemas.microsoft.com/office/drawing/2014/main" id="{B6C4A354-A026-4F7C-B867-3100755B7A79}"/>
-              </a:ext>
-            </a:extLst>
-          </p:cNvPr>
-          <p:cNvSpPr>
-            <a:spLocks noGrp="1"/>
-          </p:cNvSpPr>
-          <p:nvPr>
-            <p:ph idx="1"/>
-          </p:nvPr>
-        </p:nvSpPr>
-        <p:spPr/>
-        <p:txBody>
-          <a:bodyPr>
-            <a:normAutofit/>
-          </a:bodyPr>
-          <a:lstStyle/>
-          <a:p>
-            <a:pPr fontAlgn="ctr"/>
-            <a:r>
-              <a:rPr lang="ko-KR" altLang="ko-KR" sz="1100" dirty="0"/>
-              <a:t>The </a:t>
-            </a:r>
-            <a:r>
-              <a:rPr lang="ko-KR" altLang="ko-KR" sz="1100" dirty="0" err="1"/>
-              <a:t>brand</a:t>
-            </a:r>
-            <a:r>
-              <a:rPr lang="ko-KR" altLang="ko-KR" sz="1100" dirty="0"/>
-              <a:t> </a:t>
-            </a:r>
-            <a:r>
-              <a:rPr lang="ko-KR" altLang="ko-KR" sz="1100" dirty="0" err="1"/>
-              <a:t>name</a:t>
-            </a:r>
-            <a:r>
-              <a:rPr lang="ko-KR" altLang="ko-KR" sz="1100" dirty="0"/>
-              <a:t> </a:t>
-            </a:r>
-            <a:r>
-              <a:rPr lang="ko-KR" altLang="ko-KR" sz="1100" dirty="0" err="1"/>
-              <a:t>was</a:t>
-            </a:r>
-            <a:r>
-              <a:rPr lang="ko-KR" altLang="ko-KR" sz="1100" dirty="0"/>
-              <a:t> </a:t>
-            </a:r>
-            <a:r>
-              <a:rPr lang="ko-KR" altLang="ko-KR" sz="1100" dirty="0" err="1"/>
-              <a:t>inspired</a:t>
-            </a:r>
-            <a:r>
-              <a:rPr lang="ko-KR" altLang="ko-KR" sz="1100" dirty="0"/>
-              <a:t> </a:t>
-            </a:r>
-            <a:r>
-              <a:rPr lang="ko-KR" altLang="ko-KR" sz="1100" dirty="0" err="1"/>
-              <a:t>by</a:t>
-            </a:r>
-            <a:r>
-              <a:rPr lang="ko-KR" altLang="ko-KR" sz="1100" dirty="0"/>
-              <a:t> </a:t>
-            </a:r>
-            <a:r>
-              <a:rPr lang="ko-KR" altLang="ko-KR" sz="1100" dirty="0" err="1"/>
-              <a:t>Eve’s</a:t>
-            </a:r>
-            <a:r>
-              <a:rPr lang="ko-KR" altLang="ko-KR" sz="1100" dirty="0"/>
-              <a:t> </a:t>
-            </a:r>
-            <a:r>
-              <a:rPr lang="ko-KR" altLang="ko-KR" sz="1100" dirty="0" err="1"/>
-              <a:t>bite</a:t>
-            </a:r>
-            <a:r>
-              <a:rPr lang="ko-KR" altLang="ko-KR" sz="1100" dirty="0"/>
-              <a:t> </a:t>
-            </a:r>
-            <a:r>
-              <a:rPr lang="ko-KR" altLang="ko-KR" sz="1100" dirty="0" err="1"/>
-              <a:t>out</a:t>
-            </a:r>
-            <a:r>
-              <a:rPr lang="ko-KR" altLang="ko-KR" sz="1100" dirty="0"/>
-              <a:t> of </a:t>
-            </a:r>
-            <a:r>
-              <a:rPr lang="ko-KR" altLang="ko-KR" sz="1100" dirty="0" err="1"/>
-              <a:t>the</a:t>
-            </a:r>
-            <a:r>
-              <a:rPr lang="ko-KR" altLang="ko-KR" sz="1100" dirty="0"/>
-              <a:t> </a:t>
-            </a:r>
-            <a:r>
-              <a:rPr lang="ko-KR" altLang="ko-KR" sz="1100" dirty="0" err="1"/>
-              <a:t>apple</a:t>
-            </a:r>
-            <a:r>
-              <a:rPr lang="ko-KR" altLang="ko-KR" sz="1100" dirty="0"/>
-              <a:t>.</a:t>
-            </a:r>
-          </a:p>
-          <a:p>
-            <a:pPr fontAlgn="ctr"/>
-            <a:r>
-              <a:rPr lang="ko-KR" altLang="ko-KR" sz="1100" dirty="0"/>
-              <a:t>The </a:t>
-            </a:r>
-            <a:r>
-              <a:rPr lang="ko-KR" altLang="ko-KR" sz="1100" dirty="0" err="1"/>
-              <a:t>story</a:t>
-            </a:r>
-            <a:r>
-              <a:rPr lang="ko-KR" altLang="ko-KR" sz="1100" dirty="0"/>
-              <a:t> of </a:t>
-            </a:r>
-            <a:r>
-              <a:rPr lang="ko-KR" altLang="ko-KR" sz="1100" dirty="0" err="1"/>
-              <a:t>Nymphus</a:t>
-            </a:r>
-            <a:r>
-              <a:rPr lang="ko-KR" altLang="ko-KR" sz="1100" dirty="0"/>
-              <a:t> </a:t>
-            </a:r>
-            <a:r>
-              <a:rPr lang="ko-KR" altLang="ko-KR" sz="1100" dirty="0" err="1"/>
-              <a:t>gaining</a:t>
-            </a:r>
-            <a:r>
-              <a:rPr lang="ko-KR" altLang="ko-KR" sz="1100" dirty="0"/>
-              <a:t> </a:t>
-            </a:r>
-            <a:r>
-              <a:rPr lang="ko-KR" altLang="ko-KR" sz="1100" dirty="0" err="1"/>
-              <a:t>immortality</a:t>
-            </a:r>
-            <a:r>
-              <a:rPr lang="ko-KR" altLang="ko-KR" sz="1100" dirty="0"/>
-              <a:t> </a:t>
-            </a:r>
-            <a:r>
-              <a:rPr lang="ko-KR" altLang="ko-KR" sz="1100" dirty="0" err="1"/>
-              <a:t>by</a:t>
-            </a:r>
-            <a:r>
-              <a:rPr lang="ko-KR" altLang="ko-KR" sz="1100" dirty="0"/>
-              <a:t> </a:t>
-            </a:r>
-            <a:r>
-              <a:rPr lang="ko-KR" altLang="ko-KR" sz="1100" dirty="0" err="1"/>
-              <a:t>eating</a:t>
-            </a:r>
-            <a:r>
-              <a:rPr lang="ko-KR" altLang="ko-KR" sz="1100" dirty="0"/>
-              <a:t> </a:t>
-            </a:r>
-            <a:r>
-              <a:rPr lang="ko-KR" altLang="ko-KR" sz="1100" dirty="0" err="1"/>
-              <a:t>a</a:t>
-            </a:r>
-            <a:r>
-              <a:rPr lang="ko-KR" altLang="ko-KR" sz="1100" dirty="0"/>
-              <a:t> </a:t>
-            </a:r>
-            <a:r>
-              <a:rPr lang="ko-KR" altLang="ko-KR" sz="1100" dirty="0" err="1"/>
-              <a:t>golden</a:t>
-            </a:r>
-            <a:r>
-              <a:rPr lang="ko-KR" altLang="ko-KR" sz="1100" dirty="0"/>
-              <a:t> </a:t>
-            </a:r>
-            <a:r>
-              <a:rPr lang="ko-KR" altLang="ko-KR" sz="1100" dirty="0" err="1"/>
-              <a:t>apple</a:t>
-            </a:r>
-            <a:r>
-              <a:rPr lang="ko-KR" altLang="ko-KR" sz="1100" dirty="0"/>
-              <a:t>.</a:t>
-            </a:r>
-          </a:p>
-          <a:p>
-            <a:pPr fontAlgn="ctr"/>
-            <a:r>
-              <a:rPr lang="ko-KR" altLang="ko-KR" b="1" dirty="0" err="1"/>
-              <a:t>Alan</a:t>
-            </a:r>
-            <a:r>
-              <a:rPr lang="ko-KR" altLang="ko-KR" b="1" dirty="0"/>
-              <a:t> </a:t>
-            </a:r>
-            <a:r>
-              <a:rPr lang="ko-KR" altLang="ko-KR" b="1" dirty="0" err="1"/>
-              <a:t>Turing</a:t>
-            </a:r>
-            <a:r>
-              <a:rPr lang="ko-KR" altLang="ko-KR" dirty="0"/>
-              <a:t>, </a:t>
-            </a:r>
-            <a:endParaRPr lang="en-US" altLang="ko-KR" dirty="0"/>
-          </a:p>
-          <a:p>
-            <a:pPr marL="0" indent="0" fontAlgn="ctr">
-              <a:buNone/>
-            </a:pPr>
-            <a:r>
-              <a:rPr lang="en-US" altLang="ko-KR" dirty="0"/>
-              <a:t>	</a:t>
-            </a:r>
-            <a:r>
-              <a:rPr lang="ko-KR" altLang="ko-KR" dirty="0" err="1"/>
-              <a:t>the</a:t>
-            </a:r>
-            <a:r>
-              <a:rPr lang="ko-KR" altLang="ko-KR" dirty="0"/>
-              <a:t> </a:t>
-            </a:r>
-            <a:r>
-              <a:rPr lang="ko-KR" altLang="ko-KR" dirty="0" err="1"/>
-              <a:t>father</a:t>
-            </a:r>
-            <a:r>
-              <a:rPr lang="ko-KR" altLang="ko-KR" dirty="0"/>
-              <a:t> of </a:t>
-            </a:r>
-            <a:r>
-              <a:rPr lang="ko-KR" altLang="ko-KR" dirty="0" err="1"/>
-              <a:t>modern</a:t>
-            </a:r>
-            <a:r>
-              <a:rPr lang="ko-KR" altLang="ko-KR" dirty="0"/>
-              <a:t> </a:t>
-            </a:r>
-            <a:r>
-              <a:rPr lang="ko-KR" altLang="ko-KR" dirty="0" err="1"/>
-              <a:t>computing</a:t>
-            </a:r>
-            <a:r>
-              <a:rPr lang="ko-KR" altLang="ko-KR" dirty="0"/>
-              <a:t>, </a:t>
-            </a:r>
-            <a:endParaRPr lang="en-US" altLang="ko-KR" dirty="0"/>
-          </a:p>
-          <a:p>
-            <a:pPr marL="0" indent="0" fontAlgn="ctr">
-              <a:buNone/>
-            </a:pPr>
-            <a:r>
-              <a:rPr lang="en-US" altLang="ko-KR" dirty="0"/>
-              <a:t>	</a:t>
-            </a:r>
-            <a:r>
-              <a:rPr lang="ko-KR" altLang="ko-KR" dirty="0" err="1"/>
-              <a:t>died</a:t>
-            </a:r>
-            <a:r>
-              <a:rPr lang="ko-KR" altLang="ko-KR" dirty="0"/>
-              <a:t> </a:t>
-            </a:r>
-            <a:r>
-              <a:rPr lang="ko-KR" altLang="ko-KR" dirty="0" err="1"/>
-              <a:t>after</a:t>
-            </a:r>
-            <a:r>
-              <a:rPr lang="ko-KR" altLang="ko-KR" dirty="0"/>
-              <a:t> </a:t>
-            </a:r>
-            <a:r>
-              <a:rPr lang="ko-KR" altLang="ko-KR" dirty="0" err="1"/>
-              <a:t>eating</a:t>
-            </a:r>
-            <a:r>
-              <a:rPr lang="ko-KR" altLang="ko-KR" dirty="0"/>
-              <a:t> </a:t>
-            </a:r>
-            <a:r>
-              <a:rPr lang="ko-KR" altLang="ko-KR" dirty="0" err="1"/>
-              <a:t>a</a:t>
-            </a:r>
-            <a:r>
-              <a:rPr lang="ko-KR" altLang="ko-KR" dirty="0"/>
-              <a:t> </a:t>
-            </a:r>
-            <a:r>
-              <a:rPr lang="ko-KR" altLang="ko-KR" dirty="0" err="1"/>
-              <a:t>poisoned</a:t>
-            </a:r>
-            <a:r>
-              <a:rPr lang="ko-KR" altLang="ko-KR" dirty="0"/>
-              <a:t> </a:t>
-            </a:r>
-            <a:r>
-              <a:rPr lang="ko-KR" altLang="ko-KR" dirty="0" err="1"/>
-              <a:t>apple</a:t>
-            </a:r>
-            <a:r>
-              <a:rPr lang="ko-KR" altLang="ko-KR" dirty="0"/>
-              <a:t>.</a:t>
-            </a:r>
-          </a:p>
-          <a:p>
-            <a:pPr fontAlgn="ctr"/>
-            <a:r>
-              <a:rPr lang="ko-KR" altLang="ko-KR" sz="1100" dirty="0" err="1"/>
-              <a:t>From</a:t>
-            </a:r>
-            <a:r>
-              <a:rPr lang="ko-KR" altLang="ko-KR" sz="1100" dirty="0"/>
-              <a:t> </a:t>
-            </a:r>
-            <a:r>
-              <a:rPr lang="ko-KR" altLang="ko-KR" sz="1100" dirty="0" err="1"/>
-              <a:t>the</a:t>
-            </a:r>
-            <a:r>
-              <a:rPr lang="ko-KR" altLang="ko-KR" sz="1100" dirty="0"/>
-              <a:t> </a:t>
-            </a:r>
-            <a:r>
-              <a:rPr lang="ko-KR" altLang="ko-KR" sz="1100" dirty="0" err="1"/>
-              <a:t>famous</a:t>
-            </a:r>
-            <a:r>
-              <a:rPr lang="ko-KR" altLang="ko-KR" sz="1100" dirty="0"/>
-              <a:t> </a:t>
-            </a:r>
-            <a:r>
-              <a:rPr lang="ko-KR" altLang="ko-KR" sz="1100" dirty="0" err="1"/>
-              <a:t>saying</a:t>
-            </a:r>
-            <a:r>
-              <a:rPr lang="ko-KR" altLang="ko-KR" sz="1100" dirty="0"/>
-              <a:t>: “</a:t>
-            </a:r>
-            <a:r>
-              <a:rPr lang="ko-KR" altLang="ko-KR" sz="1100" dirty="0" err="1"/>
-              <a:t>an</a:t>
-            </a:r>
-            <a:r>
-              <a:rPr lang="ko-KR" altLang="ko-KR" sz="1100" dirty="0"/>
-              <a:t> </a:t>
-            </a:r>
-            <a:r>
-              <a:rPr lang="ko-KR" altLang="ko-KR" sz="1100" dirty="0" err="1"/>
-              <a:t>apple</a:t>
-            </a:r>
-            <a:r>
-              <a:rPr lang="ko-KR" altLang="ko-KR" sz="1100" dirty="0"/>
-              <a:t> </a:t>
-            </a:r>
-            <a:r>
-              <a:rPr lang="ko-KR" altLang="ko-KR" sz="1100" dirty="0" err="1"/>
-              <a:t>a</a:t>
-            </a:r>
-            <a:r>
-              <a:rPr lang="ko-KR" altLang="ko-KR" sz="1100" dirty="0"/>
-              <a:t> </a:t>
-            </a:r>
-            <a:r>
-              <a:rPr lang="ko-KR" altLang="ko-KR" sz="1100" dirty="0" err="1"/>
-              <a:t>day</a:t>
-            </a:r>
-            <a:r>
-              <a:rPr lang="ko-KR" altLang="ko-KR" sz="1100" dirty="0"/>
-              <a:t> </a:t>
-            </a:r>
-            <a:r>
-              <a:rPr lang="ko-KR" altLang="ko-KR" sz="1100" dirty="0" err="1"/>
-              <a:t>keeps</a:t>
-            </a:r>
-            <a:r>
-              <a:rPr lang="ko-KR" altLang="ko-KR" sz="1100" dirty="0"/>
-              <a:t> </a:t>
-            </a:r>
-            <a:r>
-              <a:rPr lang="ko-KR" altLang="ko-KR" sz="1100" dirty="0" err="1"/>
-              <a:t>the</a:t>
-            </a:r>
-            <a:r>
-              <a:rPr lang="ko-KR" altLang="ko-KR" sz="1100" dirty="0"/>
-              <a:t> </a:t>
-            </a:r>
-            <a:r>
-              <a:rPr lang="ko-KR" altLang="ko-KR" sz="1100" dirty="0" err="1"/>
-              <a:t>doctor</a:t>
-            </a:r>
-            <a:r>
-              <a:rPr lang="ko-KR" altLang="ko-KR" sz="1100" dirty="0"/>
-              <a:t> </a:t>
-            </a:r>
-            <a:r>
-              <a:rPr lang="ko-KR" altLang="ko-KR" sz="1100" dirty="0" err="1"/>
-              <a:t>away</a:t>
-            </a:r>
-            <a:r>
-              <a:rPr lang="ko-KR" altLang="ko-KR" sz="1100" dirty="0"/>
-              <a:t>.”</a:t>
-            </a:r>
-          </a:p>
-          <a:p>
-            <a:pPr fontAlgn="ctr"/>
-            <a:r>
-              <a:rPr lang="ko-KR" altLang="ko-KR" sz="1100" dirty="0" err="1"/>
-              <a:t>Some</a:t>
-            </a:r>
-            <a:r>
-              <a:rPr lang="ko-KR" altLang="ko-KR" sz="1100" dirty="0"/>
-              <a:t> </a:t>
-            </a:r>
-            <a:r>
-              <a:rPr lang="ko-KR" altLang="ko-KR" sz="1100" dirty="0" err="1"/>
-              <a:t>claim</a:t>
-            </a:r>
-            <a:r>
-              <a:rPr lang="ko-KR" altLang="ko-KR" sz="1100" dirty="0"/>
-              <a:t> </a:t>
-            </a:r>
-            <a:r>
-              <a:rPr lang="ko-KR" altLang="ko-KR" sz="1100" dirty="0" err="1"/>
-              <a:t>that</a:t>
-            </a:r>
-            <a:r>
-              <a:rPr lang="ko-KR" altLang="ko-KR" sz="1100" dirty="0"/>
-              <a:t> </a:t>
-            </a:r>
-            <a:r>
-              <a:rPr lang="ko-KR" altLang="ko-KR" sz="1100" dirty="0" err="1"/>
-              <a:t>the</a:t>
-            </a:r>
-            <a:r>
-              <a:rPr lang="ko-KR" altLang="ko-KR" sz="1100" dirty="0"/>
-              <a:t> </a:t>
-            </a:r>
-            <a:r>
-              <a:rPr lang="ko-KR" altLang="ko-KR" sz="1100" dirty="0" err="1"/>
-              <a:t>three</a:t>
-            </a:r>
-            <a:r>
-              <a:rPr lang="ko-KR" altLang="ko-KR" sz="1100" dirty="0"/>
-              <a:t> </a:t>
-            </a:r>
-            <a:r>
-              <a:rPr lang="ko-KR" altLang="ko-KR" sz="1100" dirty="0" err="1"/>
-              <a:t>founders</a:t>
-            </a:r>
-            <a:r>
-              <a:rPr lang="ko-KR" altLang="ko-KR" sz="1100" dirty="0"/>
-              <a:t> </a:t>
-            </a:r>
-            <a:r>
-              <a:rPr lang="ko-KR" altLang="ko-KR" sz="1100" dirty="0" err="1"/>
-              <a:t>wanted</a:t>
-            </a:r>
-            <a:r>
-              <a:rPr lang="ko-KR" altLang="ko-KR" sz="1100" dirty="0"/>
-              <a:t> </a:t>
-            </a:r>
-            <a:r>
-              <a:rPr lang="ko-KR" altLang="ko-KR" sz="1100" dirty="0" err="1"/>
-              <a:t>a</a:t>
-            </a:r>
-            <a:r>
-              <a:rPr lang="ko-KR" altLang="ko-KR" sz="1100" dirty="0"/>
-              <a:t> </a:t>
-            </a:r>
-            <a:r>
-              <a:rPr lang="ko-KR" altLang="ko-KR" sz="1100" dirty="0" err="1"/>
-              <a:t>more</a:t>
-            </a:r>
-            <a:r>
-              <a:rPr lang="ko-KR" altLang="ko-KR" sz="1100" dirty="0"/>
-              <a:t> </a:t>
-            </a:r>
-            <a:r>
-              <a:rPr lang="ko-KR" altLang="ko-KR" sz="1100" dirty="0" err="1"/>
-              <a:t>casual</a:t>
-            </a:r>
-            <a:r>
-              <a:rPr lang="ko-KR" altLang="ko-KR" sz="1100" dirty="0"/>
-              <a:t> </a:t>
-            </a:r>
-            <a:r>
-              <a:rPr lang="ko-KR" altLang="ko-KR" sz="1100" dirty="0" err="1"/>
-              <a:t>name</a:t>
-            </a:r>
-            <a:r>
-              <a:rPr lang="ko-KR" altLang="ko-KR" sz="1100" dirty="0"/>
-              <a:t>.</a:t>
-            </a:r>
-          </a:p>
-          <a:p>
-            <a:pPr fontAlgn="ctr"/>
-            <a:r>
-              <a:rPr lang="ko-KR" altLang="ko-KR" sz="1100" dirty="0" err="1"/>
-              <a:t>Steve</a:t>
-            </a:r>
-            <a:r>
-              <a:rPr lang="ko-KR" altLang="ko-KR" sz="1100" dirty="0"/>
-              <a:t> </a:t>
-            </a:r>
-            <a:r>
-              <a:rPr lang="ko-KR" altLang="ko-KR" sz="1100" dirty="0" err="1"/>
-              <a:t>Jobs</a:t>
-            </a:r>
-            <a:r>
-              <a:rPr lang="ko-KR" altLang="ko-KR" sz="1100" dirty="0"/>
-              <a:t> and </a:t>
-            </a:r>
-            <a:r>
-              <a:rPr lang="ko-KR" altLang="ko-KR" sz="1100" dirty="0" err="1"/>
-              <a:t>Steve</a:t>
-            </a:r>
-            <a:r>
-              <a:rPr lang="ko-KR" altLang="ko-KR" sz="1100" dirty="0"/>
-              <a:t> </a:t>
-            </a:r>
-            <a:r>
-              <a:rPr lang="ko-KR" altLang="ko-KR" sz="1100" dirty="0" err="1"/>
-              <a:t>Wozniak</a:t>
-            </a:r>
-            <a:r>
-              <a:rPr lang="ko-KR" altLang="ko-KR" sz="1100" dirty="0"/>
-              <a:t> </a:t>
-            </a:r>
-            <a:r>
-              <a:rPr lang="ko-KR" altLang="ko-KR" sz="1100" dirty="0" err="1"/>
-              <a:t>wanted</a:t>
-            </a:r>
-            <a:r>
-              <a:rPr lang="ko-KR" altLang="ko-KR" sz="1100" dirty="0"/>
-              <a:t> </a:t>
-            </a:r>
-            <a:r>
-              <a:rPr lang="ko-KR" altLang="ko-KR" sz="1100" dirty="0" err="1"/>
-              <a:t>the</a:t>
-            </a:r>
-            <a:r>
-              <a:rPr lang="ko-KR" altLang="ko-KR" sz="1100" dirty="0"/>
-              <a:t> Apple </a:t>
-            </a:r>
-            <a:r>
-              <a:rPr lang="ko-KR" altLang="ko-KR" sz="1100" dirty="0" err="1"/>
-              <a:t>brand</a:t>
-            </a:r>
-            <a:r>
-              <a:rPr lang="ko-KR" altLang="ko-KR" sz="1100" dirty="0"/>
-              <a:t> </a:t>
-            </a:r>
-            <a:r>
-              <a:rPr lang="ko-KR" altLang="ko-KR" sz="1100" dirty="0" err="1"/>
-              <a:t>name</a:t>
-            </a:r>
-            <a:r>
-              <a:rPr lang="ko-KR" altLang="ko-KR" sz="1100" dirty="0"/>
-              <a:t> </a:t>
-            </a:r>
-            <a:r>
-              <a:rPr lang="ko-KR" altLang="ko-KR" sz="1100" dirty="0" err="1"/>
-              <a:t>to</a:t>
-            </a:r>
-            <a:r>
-              <a:rPr lang="ko-KR" altLang="ko-KR" sz="1100" dirty="0"/>
-              <a:t> </a:t>
-            </a:r>
-            <a:r>
-              <a:rPr lang="ko-KR" altLang="ko-KR" sz="1100" dirty="0" err="1"/>
-              <a:t>appear</a:t>
-            </a:r>
-            <a:r>
-              <a:rPr lang="ko-KR" altLang="ko-KR" sz="1100" dirty="0"/>
-              <a:t> </a:t>
-            </a:r>
-            <a:r>
-              <a:rPr lang="ko-KR" altLang="ko-KR" sz="1100" dirty="0" err="1"/>
-              <a:t>before</a:t>
-            </a:r>
-            <a:r>
-              <a:rPr lang="ko-KR" altLang="ko-KR" sz="1100" dirty="0"/>
-              <a:t> </a:t>
-            </a:r>
-            <a:r>
-              <a:rPr lang="ko-KR" altLang="ko-KR" sz="1100" dirty="0" err="1"/>
-              <a:t>Atari</a:t>
-            </a:r>
-            <a:r>
-              <a:rPr lang="ko-KR" altLang="ko-KR" sz="1100" dirty="0"/>
-              <a:t> </a:t>
-            </a:r>
-            <a:r>
-              <a:rPr lang="ko-KR" altLang="ko-KR" sz="1100" dirty="0" err="1"/>
-              <a:t>in</a:t>
-            </a:r>
-            <a:r>
-              <a:rPr lang="ko-KR" altLang="ko-KR" sz="1100" dirty="0"/>
-              <a:t> </a:t>
-            </a:r>
-            <a:r>
-              <a:rPr lang="ko-KR" altLang="ko-KR" sz="1100" dirty="0" err="1"/>
-              <a:t>phone</a:t>
-            </a:r>
-            <a:r>
-              <a:rPr lang="ko-KR" altLang="ko-KR" sz="1100" dirty="0"/>
-              <a:t> </a:t>
-            </a:r>
-            <a:r>
-              <a:rPr lang="ko-KR" altLang="ko-KR" sz="1100" dirty="0" err="1"/>
-              <a:t>books</a:t>
-            </a:r>
-            <a:r>
-              <a:rPr lang="ko-KR" altLang="ko-KR" sz="1100" dirty="0"/>
-              <a:t>.</a:t>
-            </a:r>
-          </a:p>
-          <a:p>
-            <a:r>
-              <a:rPr lang="en-US" altLang="ko-KR" sz="1100" dirty="0"/>
-              <a:t> </a:t>
-            </a:r>
-          </a:p>
-          <a:p>
-            <a:r>
-              <a:rPr lang="ko-KR" altLang="ko-KR" sz="1100" i="1" dirty="0"/>
-              <a:t>출처: &lt;</a:t>
-            </a:r>
-            <a:r>
-              <a:rPr lang="ko-KR" altLang="ko-KR" sz="1100" i="1" dirty="0">
-                <a:hlinkClick r:id="rId2"/>
-              </a:rPr>
-              <a:t>https://www.crowdspring.com/blog/apple-logo/</a:t>
-            </a:r>
-            <a:r>
-              <a:rPr lang="ko-KR" altLang="ko-KR" sz="1100" i="1" dirty="0"/>
-              <a:t>&gt; </a:t>
-            </a:r>
-            <a:endParaRPr lang="ko-KR" altLang="ko-KR" sz="1100" dirty="0"/>
-          </a:p>
-          <a:p>
-            <a:endParaRPr lang="ko-KR" altLang="en-US" dirty="0"/>
-          </a:p>
-        </p:txBody>
-      </p:sp>
-    </p:spTree>
-    <p:extLst>
-      <p:ext uri="{BB962C8B-B14F-4D97-AF65-F5344CB8AC3E}">
-        <p14:creationId xmlns:p14="http://schemas.microsoft.com/office/powerpoint/2010/main" val="1643972959"/>
       </p:ext>
     </p:extLst>
   </p:cSld>
